--- a/SOLID.DesignPatterns/Singleton/Sealed/Boosting Performance with Sealed Classes.pptx
+++ b/SOLID.DesignPatterns/Singleton/Sealed/Boosting Performance with Sealed Classes.pptx
@@ -8,20 +8,28 @@
     <p:sldId id="256" r:id="rId2"/>
     <p:sldId id="257" r:id="rId3"/>
     <p:sldId id="258" r:id="rId4"/>
-    <p:sldId id="259" r:id="rId5"/>
-    <p:sldId id="260" r:id="rId6"/>
-    <p:sldId id="261" r:id="rId7"/>
-    <p:sldId id="262" r:id="rId8"/>
-    <p:sldId id="263" r:id="rId9"/>
-    <p:sldId id="264" r:id="rId10"/>
-    <p:sldId id="265" r:id="rId11"/>
-    <p:sldId id="266" r:id="rId12"/>
-    <p:sldId id="267" r:id="rId13"/>
-    <p:sldId id="268" r:id="rId14"/>
-    <p:sldId id="269" r:id="rId15"/>
-    <p:sldId id="270" r:id="rId16"/>
-    <p:sldId id="271" r:id="rId17"/>
-    <p:sldId id="272" r:id="rId18"/>
+    <p:sldId id="278" r:id="rId5"/>
+    <p:sldId id="279" r:id="rId6"/>
+    <p:sldId id="259" r:id="rId7"/>
+    <p:sldId id="260" r:id="rId8"/>
+    <p:sldId id="261" r:id="rId9"/>
+    <p:sldId id="262" r:id="rId10"/>
+    <p:sldId id="263" r:id="rId11"/>
+    <p:sldId id="264" r:id="rId12"/>
+    <p:sldId id="265" r:id="rId13"/>
+    <p:sldId id="266" r:id="rId14"/>
+    <p:sldId id="267" r:id="rId15"/>
+    <p:sldId id="268" r:id="rId16"/>
+    <p:sldId id="269" r:id="rId17"/>
+    <p:sldId id="270" r:id="rId18"/>
+    <p:sldId id="271" r:id="rId19"/>
+    <p:sldId id="272" r:id="rId20"/>
+    <p:sldId id="273" r:id="rId21"/>
+    <p:sldId id="280" r:id="rId22"/>
+    <p:sldId id="274" r:id="rId23"/>
+    <p:sldId id="275" r:id="rId24"/>
+    <p:sldId id="276" r:id="rId25"/>
+    <p:sldId id="277" r:id="rId26"/>
   </p:sldIdLst>
   <p:sldSz cx="9144000" cy="6858000" type="screen4x3"/>
   <p:notesSz cx="6858000" cy="9144000"/>
@@ -304,7 +312,7 @@
           <a:p>
             <a:fld id="{6B16E955-F6BB-40A5-B462-7EB122D89714}" type="datetimeFigureOut">
               <a:rPr lang="en-GB" smtClean="0"/>
-              <a:t>16/10/2023</a:t>
+              <a:t>17/10/2023</a:t>
             </a:fld>
             <a:endParaRPr lang="en-GB"/>
           </a:p>
@@ -474,7 +482,7 @@
           <a:p>
             <a:fld id="{6B16E955-F6BB-40A5-B462-7EB122D89714}" type="datetimeFigureOut">
               <a:rPr lang="en-GB" smtClean="0"/>
-              <a:t>16/10/2023</a:t>
+              <a:t>17/10/2023</a:t>
             </a:fld>
             <a:endParaRPr lang="en-GB"/>
           </a:p>
@@ -654,7 +662,7 @@
           <a:p>
             <a:fld id="{6B16E955-F6BB-40A5-B462-7EB122D89714}" type="datetimeFigureOut">
               <a:rPr lang="en-GB" smtClean="0"/>
-              <a:t>16/10/2023</a:t>
+              <a:t>17/10/2023</a:t>
             </a:fld>
             <a:endParaRPr lang="en-GB"/>
           </a:p>
@@ -824,7 +832,7 @@
           <a:p>
             <a:fld id="{6B16E955-F6BB-40A5-B462-7EB122D89714}" type="datetimeFigureOut">
               <a:rPr lang="en-GB" smtClean="0"/>
-              <a:t>16/10/2023</a:t>
+              <a:t>17/10/2023</a:t>
             </a:fld>
             <a:endParaRPr lang="en-GB"/>
           </a:p>
@@ -1070,7 +1078,7 @@
           <a:p>
             <a:fld id="{6B16E955-F6BB-40A5-B462-7EB122D89714}" type="datetimeFigureOut">
               <a:rPr lang="en-GB" smtClean="0"/>
-              <a:t>16/10/2023</a:t>
+              <a:t>17/10/2023</a:t>
             </a:fld>
             <a:endParaRPr lang="en-GB"/>
           </a:p>
@@ -1358,7 +1366,7 @@
           <a:p>
             <a:fld id="{6B16E955-F6BB-40A5-B462-7EB122D89714}" type="datetimeFigureOut">
               <a:rPr lang="en-GB" smtClean="0"/>
-              <a:t>16/10/2023</a:t>
+              <a:t>17/10/2023</a:t>
             </a:fld>
             <a:endParaRPr lang="en-GB"/>
           </a:p>
@@ -1780,7 +1788,7 @@
           <a:p>
             <a:fld id="{6B16E955-F6BB-40A5-B462-7EB122D89714}" type="datetimeFigureOut">
               <a:rPr lang="en-GB" smtClean="0"/>
-              <a:t>16/10/2023</a:t>
+              <a:t>17/10/2023</a:t>
             </a:fld>
             <a:endParaRPr lang="en-GB"/>
           </a:p>
@@ -1898,7 +1906,7 @@
           <a:p>
             <a:fld id="{6B16E955-F6BB-40A5-B462-7EB122D89714}" type="datetimeFigureOut">
               <a:rPr lang="en-GB" smtClean="0"/>
-              <a:t>16/10/2023</a:t>
+              <a:t>17/10/2023</a:t>
             </a:fld>
             <a:endParaRPr lang="en-GB"/>
           </a:p>
@@ -1993,7 +2001,7 @@
           <a:p>
             <a:fld id="{6B16E955-F6BB-40A5-B462-7EB122D89714}" type="datetimeFigureOut">
               <a:rPr lang="en-GB" smtClean="0"/>
-              <a:t>16/10/2023</a:t>
+              <a:t>17/10/2023</a:t>
             </a:fld>
             <a:endParaRPr lang="en-GB"/>
           </a:p>
@@ -2270,7 +2278,7 @@
           <a:p>
             <a:fld id="{6B16E955-F6BB-40A5-B462-7EB122D89714}" type="datetimeFigureOut">
               <a:rPr lang="en-GB" smtClean="0"/>
-              <a:t>16/10/2023</a:t>
+              <a:t>17/10/2023</a:t>
             </a:fld>
             <a:endParaRPr lang="en-GB"/>
           </a:p>
@@ -2523,7 +2531,7 @@
           <a:p>
             <a:fld id="{6B16E955-F6BB-40A5-B462-7EB122D89714}" type="datetimeFigureOut">
               <a:rPr lang="en-GB" smtClean="0"/>
-              <a:t>16/10/2023</a:t>
+              <a:t>17/10/2023</a:t>
             </a:fld>
             <a:endParaRPr lang="en-GB"/>
           </a:p>
@@ -2736,7 +2744,7 @@
           <a:p>
             <a:fld id="{6B16E955-F6BB-40A5-B462-7EB122D89714}" type="datetimeFigureOut">
               <a:rPr lang="en-GB" smtClean="0"/>
-              <a:t>16/10/2023</a:t>
+              <a:t>17/10/2023</a:t>
             </a:fld>
             <a:endParaRPr lang="en-GB"/>
           </a:p>
@@ -3204,6 +3212,432 @@
           <a:p>
             <a:r>
               <a:rPr lang="en-US" dirty="0" smtClean="0"/>
+              <a:t>Casting Objects</a:t>
+            </a:r>
+            <a:endParaRPr lang="en-GB" dirty="0"/>
+          </a:p>
+        </p:txBody>
+      </p:sp>
+      <p:pic>
+        <p:nvPicPr>
+          <p:cNvPr id="7170" name="Picture 2"/>
+          <p:cNvPicPr>
+            <a:picLocks noChangeAspect="1" noChangeArrowheads="1"/>
+          </p:cNvPicPr>
+          <p:nvPr/>
+        </p:nvPicPr>
+        <p:blipFill>
+          <a:blip r:embed="rId2">
+            <a:extLst>
+              <a:ext uri="{28A0092B-C50C-407E-A947-70E740481C1C}">
+                <a14:useLocalDpi xmlns:a14="http://schemas.microsoft.com/office/drawing/2010/main" val="0"/>
+              </a:ext>
+            </a:extLst>
+          </a:blip>
+          <a:srcRect/>
+          <a:stretch>
+            <a:fillRect/>
+          </a:stretch>
+        </p:blipFill>
+        <p:spPr bwMode="auto">
+          <a:xfrm>
+            <a:off x="539552" y="1484784"/>
+            <a:ext cx="6968070" cy="648072"/>
+          </a:xfrm>
+          <a:prstGeom prst="rect">
+            <a:avLst/>
+          </a:prstGeom>
+          <a:noFill/>
+          <a:ln>
+            <a:noFill/>
+          </a:ln>
+          <a:effectLst/>
+          <a:extLst>
+            <a:ext uri="{909E8E84-426E-40DD-AFC4-6F175D3DCCD1}">
+              <a14:hiddenFill xmlns:a14="http://schemas.microsoft.com/office/drawing/2010/main">
+                <a:solidFill>
+                  <a:schemeClr val="accent1"/>
+                </a:solidFill>
+              </a14:hiddenFill>
+            </a:ext>
+            <a:ext uri="{91240B29-F687-4F45-9708-019B960494DF}">
+              <a14:hiddenLine xmlns:a14="http://schemas.microsoft.com/office/drawing/2010/main" w="9525">
+                <a:solidFill>
+                  <a:schemeClr val="tx1"/>
+                </a:solidFill>
+                <a:miter lim="800000"/>
+                <a:headEnd/>
+                <a:tailEnd/>
+              </a14:hiddenLine>
+            </a:ext>
+            <a:ext uri="{AF507438-7753-43E0-B8FC-AC1667EBCBE1}">
+              <a14:hiddenEffects xmlns:a14="http://schemas.microsoft.com/office/drawing/2010/main">
+                <a:effectLst>
+                  <a:outerShdw dist="35921" dir="2700000" algn="ctr" rotWithShape="0">
+                    <a:schemeClr val="bg2"/>
+                  </a:outerShdw>
+                </a:effectLst>
+              </a14:hiddenEffects>
+            </a:ext>
+          </a:extLst>
+        </p:spPr>
+      </p:pic>
+      <p:pic>
+        <p:nvPicPr>
+          <p:cNvPr id="7171" name="Picture 3"/>
+          <p:cNvPicPr>
+            <a:picLocks noChangeAspect="1" noChangeArrowheads="1"/>
+          </p:cNvPicPr>
+          <p:nvPr/>
+        </p:nvPicPr>
+        <p:blipFill>
+          <a:blip r:embed="rId3">
+            <a:extLst>
+              <a:ext uri="{28A0092B-C50C-407E-A947-70E740481C1C}">
+                <a14:useLocalDpi xmlns:a14="http://schemas.microsoft.com/office/drawing/2010/main" val="0"/>
+              </a:ext>
+            </a:extLst>
+          </a:blip>
+          <a:srcRect/>
+          <a:stretch>
+            <a:fillRect/>
+          </a:stretch>
+        </p:blipFill>
+        <p:spPr bwMode="auto">
+          <a:xfrm>
+            <a:off x="1325546" y="2400300"/>
+            <a:ext cx="6906603" cy="1100708"/>
+          </a:xfrm>
+          <a:prstGeom prst="rect">
+            <a:avLst/>
+          </a:prstGeom>
+          <a:noFill/>
+          <a:ln>
+            <a:noFill/>
+          </a:ln>
+          <a:effectLst/>
+          <a:extLst>
+            <a:ext uri="{909E8E84-426E-40DD-AFC4-6F175D3DCCD1}">
+              <a14:hiddenFill xmlns:a14="http://schemas.microsoft.com/office/drawing/2010/main">
+                <a:solidFill>
+                  <a:schemeClr val="accent1"/>
+                </a:solidFill>
+              </a14:hiddenFill>
+            </a:ext>
+            <a:ext uri="{91240B29-F687-4F45-9708-019B960494DF}">
+              <a14:hiddenLine xmlns:a14="http://schemas.microsoft.com/office/drawing/2010/main" w="9525">
+                <a:solidFill>
+                  <a:schemeClr val="tx1"/>
+                </a:solidFill>
+                <a:miter lim="800000"/>
+                <a:headEnd/>
+                <a:tailEnd/>
+              </a14:hiddenLine>
+            </a:ext>
+            <a:ext uri="{AF507438-7753-43E0-B8FC-AC1667EBCBE1}">
+              <a14:hiddenEffects xmlns:a14="http://schemas.microsoft.com/office/drawing/2010/main">
+                <a:effectLst>
+                  <a:outerShdw dist="35921" dir="2700000" algn="ctr" rotWithShape="0">
+                    <a:schemeClr val="bg2"/>
+                  </a:outerShdw>
+                </a:effectLst>
+              </a14:hiddenEffects>
+            </a:ext>
+          </a:extLst>
+        </p:spPr>
+      </p:pic>
+      <p:pic>
+        <p:nvPicPr>
+          <p:cNvPr id="7172" name="Picture 4"/>
+          <p:cNvPicPr>
+            <a:picLocks noChangeAspect="1" noChangeArrowheads="1"/>
+          </p:cNvPicPr>
+          <p:nvPr/>
+        </p:nvPicPr>
+        <p:blipFill>
+          <a:blip r:embed="rId4">
+            <a:extLst>
+              <a:ext uri="{28A0092B-C50C-407E-A947-70E740481C1C}">
+                <a14:useLocalDpi xmlns:a14="http://schemas.microsoft.com/office/drawing/2010/main" val="0"/>
+              </a:ext>
+            </a:extLst>
+          </a:blip>
+          <a:srcRect/>
+          <a:stretch>
+            <a:fillRect/>
+          </a:stretch>
+        </p:blipFill>
+        <p:spPr bwMode="auto">
+          <a:xfrm>
+            <a:off x="1612578" y="4077072"/>
+            <a:ext cx="6332537" cy="914400"/>
+          </a:xfrm>
+          <a:prstGeom prst="rect">
+            <a:avLst/>
+          </a:prstGeom>
+          <a:noFill/>
+          <a:ln>
+            <a:noFill/>
+          </a:ln>
+          <a:effectLst/>
+          <a:extLst>
+            <a:ext uri="{909E8E84-426E-40DD-AFC4-6F175D3DCCD1}">
+              <a14:hiddenFill xmlns:a14="http://schemas.microsoft.com/office/drawing/2010/main">
+                <a:solidFill>
+                  <a:schemeClr val="accent1"/>
+                </a:solidFill>
+              </a14:hiddenFill>
+            </a:ext>
+            <a:ext uri="{91240B29-F687-4F45-9708-019B960494DF}">
+              <a14:hiddenLine xmlns:a14="http://schemas.microsoft.com/office/drawing/2010/main" w="9525">
+                <a:solidFill>
+                  <a:schemeClr val="tx1"/>
+                </a:solidFill>
+                <a:miter lim="800000"/>
+                <a:headEnd/>
+                <a:tailEnd/>
+              </a14:hiddenLine>
+            </a:ext>
+            <a:ext uri="{AF507438-7753-43E0-B8FC-AC1667EBCBE1}">
+              <a14:hiddenEffects xmlns:a14="http://schemas.microsoft.com/office/drawing/2010/main">
+                <a:effectLst>
+                  <a:outerShdw dist="35921" dir="2700000" algn="ctr" rotWithShape="0">
+                    <a:schemeClr val="bg2"/>
+                  </a:outerShdw>
+                </a:effectLst>
+              </a14:hiddenEffects>
+            </a:ext>
+          </a:extLst>
+        </p:spPr>
+      </p:pic>
+    </p:spTree>
+    <p:extLst>
+      <p:ext uri="{BB962C8B-B14F-4D97-AF65-F5344CB8AC3E}">
+        <p14:creationId xmlns:p14="http://schemas.microsoft.com/office/powerpoint/2010/main" val="413694686"/>
+      </p:ext>
+    </p:extLst>
+  </p:cSld>
+  <p:clrMapOvr>
+    <a:masterClrMapping/>
+  </p:clrMapOvr>
+</p:sld>
+</file>
+
+<file path=ppt/slides/slide11.xml><?xml version="1.0" encoding="utf-8"?>
+<p:sld xmlns:a="http://schemas.openxmlformats.org/drawingml/2006/main" xmlns:r="http://schemas.openxmlformats.org/officeDocument/2006/relationships" xmlns:p="http://schemas.openxmlformats.org/presentationml/2006/main">
+  <p:cSld>
+    <p:spTree>
+      <p:nvGrpSpPr>
+        <p:cNvPr id="1" name=""/>
+        <p:cNvGrpSpPr/>
+        <p:nvPr/>
+      </p:nvGrpSpPr>
+      <p:grpSpPr>
+        <a:xfrm>
+          <a:off x="0" y="0"/>
+          <a:ext cx="0" cy="0"/>
+          <a:chOff x="0" y="0"/>
+          <a:chExt cx="0" cy="0"/>
+        </a:xfrm>
+      </p:grpSpPr>
+      <p:sp>
+        <p:nvSpPr>
+          <p:cNvPr id="2" name="Title 1"/>
+          <p:cNvSpPr>
+            <a:spLocks noGrp="1"/>
+          </p:cNvSpPr>
+          <p:nvPr>
+            <p:ph type="title"/>
+          </p:nvPr>
+        </p:nvSpPr>
+        <p:spPr/>
+        <p:txBody>
+          <a:bodyPr/>
+          <a:lstStyle/>
+          <a:p>
+            <a:r>
+              <a:rPr lang="en-US" dirty="0" smtClean="0"/>
+              <a:t>Operator is</a:t>
+            </a:r>
+            <a:endParaRPr lang="en-GB" dirty="0"/>
+          </a:p>
+        </p:txBody>
+      </p:sp>
+      <p:pic>
+        <p:nvPicPr>
+          <p:cNvPr id="8194" name="Picture 2"/>
+          <p:cNvPicPr>
+            <a:picLocks noChangeAspect="1" noChangeArrowheads="1"/>
+          </p:cNvPicPr>
+          <p:nvPr/>
+        </p:nvPicPr>
+        <p:blipFill>
+          <a:blip r:embed="rId2">
+            <a:extLst>
+              <a:ext uri="{28A0092B-C50C-407E-A947-70E740481C1C}">
+                <a14:useLocalDpi xmlns:a14="http://schemas.microsoft.com/office/drawing/2010/main" val="0"/>
+              </a:ext>
+            </a:extLst>
+          </a:blip>
+          <a:srcRect/>
+          <a:stretch>
+            <a:fillRect/>
+          </a:stretch>
+        </p:blipFill>
+        <p:spPr bwMode="auto">
+          <a:xfrm>
+            <a:off x="827584" y="1556792"/>
+            <a:ext cx="5776913" cy="1066800"/>
+          </a:xfrm>
+          <a:prstGeom prst="rect">
+            <a:avLst/>
+          </a:prstGeom>
+          <a:noFill/>
+          <a:ln>
+            <a:noFill/>
+          </a:ln>
+          <a:effectLst/>
+          <a:extLst>
+            <a:ext uri="{909E8E84-426E-40DD-AFC4-6F175D3DCCD1}">
+              <a14:hiddenFill xmlns:a14="http://schemas.microsoft.com/office/drawing/2010/main">
+                <a:solidFill>
+                  <a:schemeClr val="accent1"/>
+                </a:solidFill>
+              </a14:hiddenFill>
+            </a:ext>
+            <a:ext uri="{91240B29-F687-4F45-9708-019B960494DF}">
+              <a14:hiddenLine xmlns:a14="http://schemas.microsoft.com/office/drawing/2010/main" w="9525">
+                <a:solidFill>
+                  <a:schemeClr val="tx1"/>
+                </a:solidFill>
+                <a:miter lim="800000"/>
+                <a:headEnd/>
+                <a:tailEnd/>
+              </a14:hiddenLine>
+            </a:ext>
+            <a:ext uri="{AF507438-7753-43E0-B8FC-AC1667EBCBE1}">
+              <a14:hiddenEffects xmlns:a14="http://schemas.microsoft.com/office/drawing/2010/main">
+                <a:effectLst>
+                  <a:outerShdw dist="35921" dir="2700000" algn="ctr" rotWithShape="0">
+                    <a:schemeClr val="bg2"/>
+                  </a:outerShdw>
+                </a:effectLst>
+              </a14:hiddenEffects>
+            </a:ext>
+          </a:extLst>
+        </p:spPr>
+      </p:pic>
+      <p:pic>
+        <p:nvPicPr>
+          <p:cNvPr id="8195" name="Picture 3"/>
+          <p:cNvPicPr>
+            <a:picLocks noChangeAspect="1" noChangeArrowheads="1"/>
+          </p:cNvPicPr>
+          <p:nvPr/>
+        </p:nvPicPr>
+        <p:blipFill>
+          <a:blip r:embed="rId3">
+            <a:extLst>
+              <a:ext uri="{28A0092B-C50C-407E-A947-70E740481C1C}">
+                <a14:useLocalDpi xmlns:a14="http://schemas.microsoft.com/office/drawing/2010/main" val="0"/>
+              </a:ext>
+            </a:extLst>
+          </a:blip>
+          <a:srcRect/>
+          <a:stretch>
+            <a:fillRect/>
+          </a:stretch>
+        </p:blipFill>
+        <p:spPr bwMode="auto">
+          <a:xfrm>
+            <a:off x="1557338" y="2979738"/>
+            <a:ext cx="6027737" cy="898525"/>
+          </a:xfrm>
+          <a:prstGeom prst="rect">
+            <a:avLst/>
+          </a:prstGeom>
+          <a:noFill/>
+          <a:ln>
+            <a:noFill/>
+          </a:ln>
+          <a:effectLst/>
+          <a:extLst>
+            <a:ext uri="{909E8E84-426E-40DD-AFC4-6F175D3DCCD1}">
+              <a14:hiddenFill xmlns:a14="http://schemas.microsoft.com/office/drawing/2010/main">
+                <a:solidFill>
+                  <a:schemeClr val="accent1"/>
+                </a:solidFill>
+              </a14:hiddenFill>
+            </a:ext>
+            <a:ext uri="{91240B29-F687-4F45-9708-019B960494DF}">
+              <a14:hiddenLine xmlns:a14="http://schemas.microsoft.com/office/drawing/2010/main" w="9525">
+                <a:solidFill>
+                  <a:schemeClr val="tx1"/>
+                </a:solidFill>
+                <a:miter lim="800000"/>
+                <a:headEnd/>
+                <a:tailEnd/>
+              </a14:hiddenLine>
+            </a:ext>
+            <a:ext uri="{AF507438-7753-43E0-B8FC-AC1667EBCBE1}">
+              <a14:hiddenEffects xmlns:a14="http://schemas.microsoft.com/office/drawing/2010/main">
+                <a:effectLst>
+                  <a:outerShdw dist="35921" dir="2700000" algn="ctr" rotWithShape="0">
+                    <a:schemeClr val="bg2"/>
+                  </a:outerShdw>
+                </a:effectLst>
+              </a14:hiddenEffects>
+            </a:ext>
+          </a:extLst>
+        </p:spPr>
+      </p:pic>
+    </p:spTree>
+    <p:extLst>
+      <p:ext uri="{BB962C8B-B14F-4D97-AF65-F5344CB8AC3E}">
+        <p14:creationId xmlns:p14="http://schemas.microsoft.com/office/powerpoint/2010/main" val="2802239736"/>
+      </p:ext>
+    </p:extLst>
+  </p:cSld>
+  <p:clrMapOvr>
+    <a:masterClrMapping/>
+  </p:clrMapOvr>
+</p:sld>
+</file>
+
+<file path=ppt/slides/slide12.xml><?xml version="1.0" encoding="utf-8"?>
+<p:sld xmlns:a="http://schemas.openxmlformats.org/drawingml/2006/main" xmlns:r="http://schemas.openxmlformats.org/officeDocument/2006/relationships" xmlns:p="http://schemas.openxmlformats.org/presentationml/2006/main">
+  <p:cSld>
+    <p:spTree>
+      <p:nvGrpSpPr>
+        <p:cNvPr id="1" name=""/>
+        <p:cNvGrpSpPr/>
+        <p:nvPr/>
+      </p:nvGrpSpPr>
+      <p:grpSpPr>
+        <a:xfrm>
+          <a:off x="0" y="0"/>
+          <a:ext cx="0" cy="0"/>
+          <a:chOff x="0" y="0"/>
+          <a:chExt cx="0" cy="0"/>
+        </a:xfrm>
+      </p:grpSpPr>
+      <p:sp>
+        <p:nvSpPr>
+          <p:cNvPr id="2" name="Title 1"/>
+          <p:cNvSpPr>
+            <a:spLocks noGrp="1"/>
+          </p:cNvSpPr>
+          <p:nvPr>
+            <p:ph type="title"/>
+          </p:nvPr>
+        </p:nvSpPr>
+        <p:spPr/>
+        <p:txBody>
+          <a:bodyPr/>
+          <a:lstStyle/>
+          <a:p>
+            <a:r>
+              <a:rPr lang="en-US" dirty="0" smtClean="0"/>
               <a:t>With arrays</a:t>
             </a:r>
             <a:endParaRPr lang="en-GB" dirty="0"/>
@@ -3415,214 +3849,6 @@
 </p:sld>
 </file>
 
-<file path=ppt/slides/slide11.xml><?xml version="1.0" encoding="utf-8"?>
-<p:sld xmlns:a="http://schemas.openxmlformats.org/drawingml/2006/main" xmlns:r="http://schemas.openxmlformats.org/officeDocument/2006/relationships" xmlns:p="http://schemas.openxmlformats.org/presentationml/2006/main">
-  <p:cSld>
-    <p:spTree>
-      <p:nvGrpSpPr>
-        <p:cNvPr id="1" name=""/>
-        <p:cNvGrpSpPr/>
-        <p:nvPr/>
-      </p:nvGrpSpPr>
-      <p:grpSpPr>
-        <a:xfrm>
-          <a:off x="0" y="0"/>
-          <a:ext cx="0" cy="0"/>
-          <a:chOff x="0" y="0"/>
-          <a:chExt cx="0" cy="0"/>
-        </a:xfrm>
-      </p:grpSpPr>
-      <p:sp>
-        <p:nvSpPr>
-          <p:cNvPr id="2" name="Title 1"/>
-          <p:cNvSpPr>
-            <a:spLocks noGrp="1"/>
-          </p:cNvSpPr>
-          <p:nvPr>
-            <p:ph type="title"/>
-          </p:nvPr>
-        </p:nvSpPr>
-        <p:spPr/>
-        <p:txBody>
-          <a:bodyPr>
-            <a:normAutofit/>
-          </a:bodyPr>
-          <a:lstStyle/>
-          <a:p>
-            <a:r>
-              <a:rPr lang="en-GB" b="1" dirty="0"/>
-              <a:t>Methods in Sealed </a:t>
-            </a:r>
-            <a:r>
-              <a:rPr lang="en-GB" b="1" dirty="0" smtClean="0"/>
-              <a:t>Classes</a:t>
-            </a:r>
-            <a:endParaRPr lang="en-GB" dirty="0"/>
-          </a:p>
-        </p:txBody>
-      </p:sp>
-      <p:sp>
-        <p:nvSpPr>
-          <p:cNvPr id="3" name="Content Placeholder 2"/>
-          <p:cNvSpPr>
-            <a:spLocks noGrp="1"/>
-          </p:cNvSpPr>
-          <p:nvPr>
-            <p:ph idx="1"/>
-          </p:nvPr>
-        </p:nvSpPr>
-        <p:spPr/>
-        <p:txBody>
-          <a:bodyPr/>
-          <a:lstStyle/>
-          <a:p>
-            <a:r>
-              <a:rPr lang="en-US" dirty="0"/>
-              <a:t>When we call overridden methods in sealed classes, this is done </a:t>
-            </a:r>
-            <a:r>
-              <a:rPr lang="en-US" b="1" dirty="0"/>
-              <a:t>directly on the memory address of the sealed class object</a:t>
-            </a:r>
-            <a:r>
-              <a:rPr lang="en-US" dirty="0"/>
-              <a:t>. </a:t>
-            </a:r>
-            <a:endParaRPr lang="en-US" dirty="0" smtClean="0"/>
-          </a:p>
-          <a:p>
-            <a:r>
-              <a:rPr lang="en-US" dirty="0"/>
-              <a:t>In an open class, we need to call methods through virtual dispatch</a:t>
-            </a:r>
-            <a:r>
-              <a:rPr lang="en-US" dirty="0" smtClean="0"/>
-              <a:t>.</a:t>
-            </a:r>
-          </a:p>
-          <a:p>
-            <a:r>
-              <a:rPr lang="en-US" b="1" dirty="0"/>
-              <a:t>The virtual dispatch cannot use a direct call </a:t>
-            </a:r>
-            <a:r>
-              <a:rPr lang="en-US" dirty="0"/>
-              <a:t>since it has to check if the method has been overridden.</a:t>
-            </a:r>
-            <a:endParaRPr lang="en-GB" dirty="0"/>
-          </a:p>
-        </p:txBody>
-      </p:sp>
-    </p:spTree>
-    <p:extLst>
-      <p:ext uri="{BB962C8B-B14F-4D97-AF65-F5344CB8AC3E}">
-        <p14:creationId xmlns:p14="http://schemas.microsoft.com/office/powerpoint/2010/main" val="181653770"/>
-      </p:ext>
-    </p:extLst>
-  </p:cSld>
-  <p:clrMapOvr>
-    <a:masterClrMapping/>
-  </p:clrMapOvr>
-</p:sld>
-</file>
-
-<file path=ppt/slides/slide12.xml><?xml version="1.0" encoding="utf-8"?>
-<p:sld xmlns:a="http://schemas.openxmlformats.org/drawingml/2006/main" xmlns:r="http://schemas.openxmlformats.org/officeDocument/2006/relationships" xmlns:p="http://schemas.openxmlformats.org/presentationml/2006/main">
-  <p:cSld>
-    <p:spTree>
-      <p:nvGrpSpPr>
-        <p:cNvPr id="1" name=""/>
-        <p:cNvGrpSpPr/>
-        <p:nvPr/>
-      </p:nvGrpSpPr>
-      <p:grpSpPr>
-        <a:xfrm>
-          <a:off x="0" y="0"/>
-          <a:ext cx="0" cy="0"/>
-          <a:chOff x="0" y="0"/>
-          <a:chExt cx="0" cy="0"/>
-        </a:xfrm>
-      </p:grpSpPr>
-      <p:sp>
-        <p:nvSpPr>
-          <p:cNvPr id="2" name="Title 1"/>
-          <p:cNvSpPr>
-            <a:spLocks noGrp="1"/>
-          </p:cNvSpPr>
-          <p:nvPr>
-            <p:ph type="title"/>
-          </p:nvPr>
-        </p:nvSpPr>
-        <p:spPr/>
-        <p:txBody>
-          <a:bodyPr>
-            <a:normAutofit/>
-          </a:bodyPr>
-          <a:lstStyle/>
-          <a:p>
-            <a:r>
-              <a:rPr lang="en-GB" b="1" dirty="0"/>
-              <a:t>Operations With Sealed </a:t>
-            </a:r>
-            <a:r>
-              <a:rPr lang="en-GB" b="1" dirty="0" smtClean="0"/>
-              <a:t>Classes</a:t>
-            </a:r>
-            <a:endParaRPr lang="en-GB" dirty="0"/>
-          </a:p>
-        </p:txBody>
-      </p:sp>
-      <p:sp>
-        <p:nvSpPr>
-          <p:cNvPr id="3" name="Content Placeholder 2"/>
-          <p:cNvSpPr>
-            <a:spLocks noGrp="1"/>
-          </p:cNvSpPr>
-          <p:nvPr>
-            <p:ph idx="1"/>
-          </p:nvPr>
-        </p:nvSpPr>
-        <p:spPr/>
-        <p:txBody>
-          <a:bodyPr/>
-          <a:lstStyle/>
-          <a:p>
-            <a:r>
-              <a:rPr lang="en-US" b="1" dirty="0"/>
-              <a:t>casting and type-checking operations are faster on sealed classes</a:t>
-            </a:r>
-            <a:r>
-              <a:rPr lang="en-US" dirty="0"/>
-              <a:t> because we only need to compare the type to itself. </a:t>
-            </a:r>
-            <a:endParaRPr lang="en-US" dirty="0" smtClean="0"/>
-          </a:p>
-          <a:p>
-            <a:r>
-              <a:rPr lang="en-US" dirty="0" smtClean="0"/>
-              <a:t>With </a:t>
-            </a:r>
-            <a:r>
-              <a:rPr lang="en-US" dirty="0"/>
-              <a:t>open classes, we need to check for a potential hierarchy of classes.</a:t>
-            </a:r>
-            <a:endParaRPr lang="en-GB" dirty="0"/>
-          </a:p>
-        </p:txBody>
-      </p:sp>
-    </p:spTree>
-    <p:extLst>
-      <p:ext uri="{BB962C8B-B14F-4D97-AF65-F5344CB8AC3E}">
-        <p14:creationId xmlns:p14="http://schemas.microsoft.com/office/powerpoint/2010/main" val="1829132816"/>
-      </p:ext>
-    </p:extLst>
-  </p:cSld>
-  <p:clrMapOvr>
-    <a:masterClrMapping/>
-  </p:clrMapOvr>
-</p:sld>
-</file>
-
 <file path=ppt/slides/slide13.xml><?xml version="1.0" encoding="utf-8"?>
 <p:sld xmlns:a="http://schemas.openxmlformats.org/drawingml/2006/main" xmlns:r="http://schemas.openxmlformats.org/officeDocument/2006/relationships" xmlns:p="http://schemas.openxmlformats.org/presentationml/2006/main">
   <p:cSld>
@@ -3659,6 +3885,214 @@
           <a:p>
             <a:r>
               <a:rPr lang="en-GB" b="1" dirty="0"/>
+              <a:t>Methods in Sealed </a:t>
+            </a:r>
+            <a:r>
+              <a:rPr lang="en-GB" b="1" dirty="0" smtClean="0"/>
+              <a:t>Classes</a:t>
+            </a:r>
+            <a:endParaRPr lang="en-GB" dirty="0"/>
+          </a:p>
+        </p:txBody>
+      </p:sp>
+      <p:sp>
+        <p:nvSpPr>
+          <p:cNvPr id="3" name="Content Placeholder 2"/>
+          <p:cNvSpPr>
+            <a:spLocks noGrp="1"/>
+          </p:cNvSpPr>
+          <p:nvPr>
+            <p:ph idx="1"/>
+          </p:nvPr>
+        </p:nvSpPr>
+        <p:spPr/>
+        <p:txBody>
+          <a:bodyPr/>
+          <a:lstStyle/>
+          <a:p>
+            <a:r>
+              <a:rPr lang="en-US" dirty="0"/>
+              <a:t>When we call overridden methods in sealed classes, this is done </a:t>
+            </a:r>
+            <a:r>
+              <a:rPr lang="en-US" b="1" dirty="0"/>
+              <a:t>directly on the memory address of the sealed class object</a:t>
+            </a:r>
+            <a:r>
+              <a:rPr lang="en-US" dirty="0"/>
+              <a:t>. </a:t>
+            </a:r>
+            <a:endParaRPr lang="en-US" dirty="0" smtClean="0"/>
+          </a:p>
+          <a:p>
+            <a:r>
+              <a:rPr lang="en-US" dirty="0"/>
+              <a:t>In an open class, we need to call methods through virtual dispatch</a:t>
+            </a:r>
+            <a:r>
+              <a:rPr lang="en-US" dirty="0" smtClean="0"/>
+              <a:t>.</a:t>
+            </a:r>
+          </a:p>
+          <a:p>
+            <a:r>
+              <a:rPr lang="en-US" b="1" dirty="0"/>
+              <a:t>The virtual dispatch cannot use a direct call </a:t>
+            </a:r>
+            <a:r>
+              <a:rPr lang="en-US" dirty="0"/>
+              <a:t>since it has to check if the method has been overridden.</a:t>
+            </a:r>
+            <a:endParaRPr lang="en-GB" dirty="0"/>
+          </a:p>
+        </p:txBody>
+      </p:sp>
+    </p:spTree>
+    <p:extLst>
+      <p:ext uri="{BB962C8B-B14F-4D97-AF65-F5344CB8AC3E}">
+        <p14:creationId xmlns:p14="http://schemas.microsoft.com/office/powerpoint/2010/main" val="181653770"/>
+      </p:ext>
+    </p:extLst>
+  </p:cSld>
+  <p:clrMapOvr>
+    <a:masterClrMapping/>
+  </p:clrMapOvr>
+</p:sld>
+</file>
+
+<file path=ppt/slides/slide14.xml><?xml version="1.0" encoding="utf-8"?>
+<p:sld xmlns:a="http://schemas.openxmlformats.org/drawingml/2006/main" xmlns:r="http://schemas.openxmlformats.org/officeDocument/2006/relationships" xmlns:p="http://schemas.openxmlformats.org/presentationml/2006/main">
+  <p:cSld>
+    <p:spTree>
+      <p:nvGrpSpPr>
+        <p:cNvPr id="1" name=""/>
+        <p:cNvGrpSpPr/>
+        <p:nvPr/>
+      </p:nvGrpSpPr>
+      <p:grpSpPr>
+        <a:xfrm>
+          <a:off x="0" y="0"/>
+          <a:ext cx="0" cy="0"/>
+          <a:chOff x="0" y="0"/>
+          <a:chExt cx="0" cy="0"/>
+        </a:xfrm>
+      </p:grpSpPr>
+      <p:sp>
+        <p:nvSpPr>
+          <p:cNvPr id="2" name="Title 1"/>
+          <p:cNvSpPr>
+            <a:spLocks noGrp="1"/>
+          </p:cNvSpPr>
+          <p:nvPr>
+            <p:ph type="title"/>
+          </p:nvPr>
+        </p:nvSpPr>
+        <p:spPr/>
+        <p:txBody>
+          <a:bodyPr>
+            <a:normAutofit/>
+          </a:bodyPr>
+          <a:lstStyle/>
+          <a:p>
+            <a:r>
+              <a:rPr lang="en-GB" b="1" dirty="0"/>
+              <a:t>Operations With Sealed </a:t>
+            </a:r>
+            <a:r>
+              <a:rPr lang="en-GB" b="1" dirty="0" smtClean="0"/>
+              <a:t>Classes</a:t>
+            </a:r>
+            <a:endParaRPr lang="en-GB" dirty="0"/>
+          </a:p>
+        </p:txBody>
+      </p:sp>
+      <p:sp>
+        <p:nvSpPr>
+          <p:cNvPr id="3" name="Content Placeholder 2"/>
+          <p:cNvSpPr>
+            <a:spLocks noGrp="1"/>
+          </p:cNvSpPr>
+          <p:nvPr>
+            <p:ph idx="1"/>
+          </p:nvPr>
+        </p:nvSpPr>
+        <p:spPr/>
+        <p:txBody>
+          <a:bodyPr/>
+          <a:lstStyle/>
+          <a:p>
+            <a:r>
+              <a:rPr lang="en-US" b="1" dirty="0"/>
+              <a:t>casting and type-checking operations are faster on sealed classes</a:t>
+            </a:r>
+            <a:r>
+              <a:rPr lang="en-US" dirty="0"/>
+              <a:t> because we only need to compare the type to itself. </a:t>
+            </a:r>
+            <a:endParaRPr lang="en-US" dirty="0" smtClean="0"/>
+          </a:p>
+          <a:p>
+            <a:r>
+              <a:rPr lang="en-US" dirty="0" smtClean="0"/>
+              <a:t>With </a:t>
+            </a:r>
+            <a:r>
+              <a:rPr lang="en-US" dirty="0"/>
+              <a:t>open classes, we need to check for a potential hierarchy of classes.</a:t>
+            </a:r>
+            <a:endParaRPr lang="en-GB" dirty="0"/>
+          </a:p>
+        </p:txBody>
+      </p:sp>
+    </p:spTree>
+    <p:extLst>
+      <p:ext uri="{BB962C8B-B14F-4D97-AF65-F5344CB8AC3E}">
+        <p14:creationId xmlns:p14="http://schemas.microsoft.com/office/powerpoint/2010/main" val="1829132816"/>
+      </p:ext>
+    </p:extLst>
+  </p:cSld>
+  <p:clrMapOvr>
+    <a:masterClrMapping/>
+  </p:clrMapOvr>
+</p:sld>
+</file>
+
+<file path=ppt/slides/slide15.xml><?xml version="1.0" encoding="utf-8"?>
+<p:sld xmlns:a="http://schemas.openxmlformats.org/drawingml/2006/main" xmlns:r="http://schemas.openxmlformats.org/officeDocument/2006/relationships" xmlns:p="http://schemas.openxmlformats.org/presentationml/2006/main">
+  <p:cSld>
+    <p:spTree>
+      <p:nvGrpSpPr>
+        <p:cNvPr id="1" name=""/>
+        <p:cNvGrpSpPr/>
+        <p:nvPr/>
+      </p:nvGrpSpPr>
+      <p:grpSpPr>
+        <a:xfrm>
+          <a:off x="0" y="0"/>
+          <a:ext cx="0" cy="0"/>
+          <a:chOff x="0" y="0"/>
+          <a:chExt cx="0" cy="0"/>
+        </a:xfrm>
+      </p:grpSpPr>
+      <p:sp>
+        <p:nvSpPr>
+          <p:cNvPr id="2" name="Title 1"/>
+          <p:cNvSpPr>
+            <a:spLocks noGrp="1"/>
+          </p:cNvSpPr>
+          <p:nvPr>
+            <p:ph type="title"/>
+          </p:nvPr>
+        </p:nvSpPr>
+        <p:spPr/>
+        <p:txBody>
+          <a:bodyPr>
+            <a:normAutofit/>
+          </a:bodyPr>
+          <a:lstStyle/>
+          <a:p>
+            <a:r>
+              <a:rPr lang="en-GB" b="1" dirty="0"/>
               <a:t>Operations With Sealed </a:t>
             </a:r>
             <a:r>
@@ -3721,7 +4155,7 @@
 </p:sld>
 </file>
 
-<file path=ppt/slides/slide14.xml><?xml version="1.0" encoding="utf-8"?>
+<file path=ppt/slides/slide16.xml><?xml version="1.0" encoding="utf-8"?>
 <p:sld xmlns:a="http://schemas.openxmlformats.org/drawingml/2006/main" xmlns:r="http://schemas.openxmlformats.org/officeDocument/2006/relationships" xmlns:p="http://schemas.openxmlformats.org/presentationml/2006/main">
   <p:cSld>
     <p:spTree>
@@ -3895,7 +4329,7 @@
 </p:sld>
 </file>
 
-<file path=ppt/slides/slide15.xml><?xml version="1.0" encoding="utf-8"?>
+<file path=ppt/slides/slide17.xml><?xml version="1.0" encoding="utf-8"?>
 <p:sld xmlns:a="http://schemas.openxmlformats.org/drawingml/2006/main" xmlns:r="http://schemas.openxmlformats.org/officeDocument/2006/relationships" xmlns:p="http://schemas.openxmlformats.org/presentationml/2006/main">
   <p:cSld>
     <p:spTree>
@@ -3998,7 +4432,7 @@
 </p:sld>
 </file>
 
-<file path=ppt/slides/slide16.xml><?xml version="1.0" encoding="utf-8"?>
+<file path=ppt/slides/slide18.xml><?xml version="1.0" encoding="utf-8"?>
 <p:sld xmlns:a="http://schemas.openxmlformats.org/drawingml/2006/main" xmlns:r="http://schemas.openxmlformats.org/officeDocument/2006/relationships" xmlns:p="http://schemas.openxmlformats.org/presentationml/2006/main">
   <p:cSld>
     <p:spTree>
@@ -4102,7 +4536,7 @@
 </p:sld>
 </file>
 
-<file path=ppt/slides/slide17.xml><?xml version="1.0" encoding="utf-8"?>
+<file path=ppt/slides/slide19.xml><?xml version="1.0" encoding="utf-8"?>
 <p:sld xmlns:a="http://schemas.openxmlformats.org/drawingml/2006/main" xmlns:r="http://schemas.openxmlformats.org/officeDocument/2006/relationships" xmlns:p="http://schemas.openxmlformats.org/presentationml/2006/main">
   <p:cSld>
     <p:spTree>
@@ -4212,6 +4646,36 @@
           </a:extLst>
         </p:spPr>
       </p:pic>
+      <p:sp>
+        <p:nvSpPr>
+          <p:cNvPr id="3" name="TextBox 2"/>
+          <p:cNvSpPr txBox="1"/>
+          <p:nvPr/>
+        </p:nvSpPr>
+        <p:spPr>
+          <a:xfrm>
+            <a:off x="1619672" y="3284984"/>
+            <a:ext cx="1689886" cy="369332"/>
+          </a:xfrm>
+          <a:prstGeom prst="rect">
+            <a:avLst/>
+          </a:prstGeom>
+          <a:noFill/>
+        </p:spPr>
+        <p:txBody>
+          <a:bodyPr wrap="none" rtlCol="0">
+            <a:spAutoFit/>
+          </a:bodyPr>
+          <a:lstStyle/>
+          <a:p>
+            <a:r>
+              <a:rPr lang="en-GB" dirty="0" err="1"/>
+              <a:t>IFlyingAnimal.cs</a:t>
+            </a:r>
+            <a:endParaRPr lang="en-GB" dirty="0"/>
+          </a:p>
+        </p:txBody>
+      </p:sp>
     </p:spTree>
     <p:extLst>
       <p:ext uri="{BB962C8B-B14F-4D97-AF65-F5344CB8AC3E}">
@@ -4257,7 +4721,11 @@
           <a:bodyPr/>
           <a:lstStyle/>
           <a:p>
-            <a:endParaRPr lang="en-GB"/>
+            <a:r>
+              <a:rPr lang="en-US" dirty="0" smtClean="0"/>
+              <a:t>Test classes</a:t>
+            </a:r>
+            <a:endParaRPr lang="en-GB" dirty="0"/>
           </a:p>
         </p:txBody>
       </p:sp>
@@ -4466,6 +4934,597 @@
 </p:sld>
 </file>
 
+<file path=ppt/slides/slide20.xml><?xml version="1.0" encoding="utf-8"?>
+<p:sld xmlns:a="http://schemas.openxmlformats.org/drawingml/2006/main" xmlns:r="http://schemas.openxmlformats.org/officeDocument/2006/relationships" xmlns:p="http://schemas.openxmlformats.org/presentationml/2006/main">
+  <p:cSld>
+    <p:spTree>
+      <p:nvGrpSpPr>
+        <p:cNvPr id="1" name=""/>
+        <p:cNvGrpSpPr/>
+        <p:nvPr/>
+      </p:nvGrpSpPr>
+      <p:grpSpPr>
+        <a:xfrm>
+          <a:off x="0" y="0"/>
+          <a:ext cx="0" cy="0"/>
+          <a:chOff x="0" y="0"/>
+          <a:chExt cx="0" cy="0"/>
+        </a:xfrm>
+      </p:grpSpPr>
+      <p:sp>
+        <p:nvSpPr>
+          <p:cNvPr id="2" name="Title 1"/>
+          <p:cNvSpPr>
+            <a:spLocks noGrp="1"/>
+          </p:cNvSpPr>
+          <p:nvPr>
+            <p:ph type="title"/>
+          </p:nvPr>
+        </p:nvSpPr>
+        <p:spPr/>
+        <p:txBody>
+          <a:bodyPr/>
+          <a:lstStyle/>
+          <a:p>
+            <a:r>
+              <a:rPr lang="en-US" dirty="0" smtClean="0"/>
+              <a:t>Lazy&lt;T&gt;</a:t>
+            </a:r>
+            <a:endParaRPr lang="en-GB" dirty="0"/>
+          </a:p>
+        </p:txBody>
+      </p:sp>
+      <p:sp>
+        <p:nvSpPr>
+          <p:cNvPr id="3" name="Content Placeholder 2"/>
+          <p:cNvSpPr>
+            <a:spLocks noGrp="1"/>
+          </p:cNvSpPr>
+          <p:nvPr>
+            <p:ph idx="1"/>
+          </p:nvPr>
+        </p:nvSpPr>
+        <p:spPr/>
+        <p:txBody>
+          <a:bodyPr/>
+          <a:lstStyle/>
+          <a:p>
+            <a:r>
+              <a:rPr lang="en-US" dirty="0" smtClean="0"/>
+              <a:t>Lazy&lt;T&gt; class</a:t>
+            </a:r>
+          </a:p>
+          <a:p>
+            <a:pPr lvl="1"/>
+            <a:r>
+              <a:rPr lang="en-US" dirty="0" smtClean="0"/>
+              <a:t>Check if an instance has been created with </a:t>
+            </a:r>
+            <a:r>
+              <a:rPr lang="en-US" dirty="0" err="1" smtClean="0"/>
+              <a:t>IsValueCreated</a:t>
+            </a:r>
+            <a:endParaRPr lang="en-US" dirty="0" smtClean="0"/>
+          </a:p>
+          <a:p>
+            <a:pPr lvl="1"/>
+            <a:r>
+              <a:rPr lang="en-US" dirty="0"/>
+              <a:t>uses </a:t>
+            </a:r>
+            <a:r>
+              <a:rPr lang="en-US" sz="2400" dirty="0" err="1"/>
+              <a:t>LazyThreadSafetyMode.ExecutionAndPublication</a:t>
+            </a:r>
+            <a:r>
+              <a:rPr lang="en-US" dirty="0"/>
+              <a:t> as the thread safety mode for the </a:t>
+            </a:r>
+            <a:r>
+              <a:rPr lang="en-US" dirty="0"/>
+              <a:t>Lazy&lt;Singleton&gt;</a:t>
+            </a:r>
+            <a:endParaRPr lang="en-GB" dirty="0"/>
+          </a:p>
+        </p:txBody>
+      </p:sp>
+    </p:spTree>
+    <p:extLst>
+      <p:ext uri="{BB962C8B-B14F-4D97-AF65-F5344CB8AC3E}">
+        <p14:creationId xmlns:p14="http://schemas.microsoft.com/office/powerpoint/2010/main" val="3997461918"/>
+      </p:ext>
+    </p:extLst>
+  </p:cSld>
+  <p:clrMapOvr>
+    <a:masterClrMapping/>
+  </p:clrMapOvr>
+</p:sld>
+</file>
+
+<file path=ppt/slides/slide21.xml><?xml version="1.0" encoding="utf-8"?>
+<p:sld xmlns:a="http://schemas.openxmlformats.org/drawingml/2006/main" xmlns:r="http://schemas.openxmlformats.org/officeDocument/2006/relationships" xmlns:p="http://schemas.openxmlformats.org/presentationml/2006/main">
+  <p:cSld>
+    <p:spTree>
+      <p:nvGrpSpPr>
+        <p:cNvPr id="1" name=""/>
+        <p:cNvGrpSpPr/>
+        <p:nvPr/>
+      </p:nvGrpSpPr>
+      <p:grpSpPr>
+        <a:xfrm>
+          <a:off x="0" y="0"/>
+          <a:ext cx="0" cy="0"/>
+          <a:chOff x="0" y="0"/>
+          <a:chExt cx="0" cy="0"/>
+        </a:xfrm>
+      </p:grpSpPr>
+      <p:sp>
+        <p:nvSpPr>
+          <p:cNvPr id="2" name="Title 1"/>
+          <p:cNvSpPr>
+            <a:spLocks noGrp="1"/>
+          </p:cNvSpPr>
+          <p:nvPr>
+            <p:ph type="title"/>
+          </p:nvPr>
+        </p:nvSpPr>
+        <p:spPr>
+          <a:xfrm>
+            <a:off x="395536" y="1340768"/>
+            <a:ext cx="8229600" cy="1143000"/>
+          </a:xfrm>
+        </p:spPr>
+        <p:txBody>
+          <a:bodyPr/>
+          <a:lstStyle/>
+          <a:p>
+            <a:r>
+              <a:rPr lang="en-US" dirty="0" smtClean="0"/>
+              <a:t>Lazy&lt;T&gt;</a:t>
+            </a:r>
+            <a:endParaRPr lang="en-GB" dirty="0"/>
+          </a:p>
+        </p:txBody>
+      </p:sp>
+    </p:spTree>
+    <p:extLst>
+      <p:ext uri="{BB962C8B-B14F-4D97-AF65-F5344CB8AC3E}">
+        <p14:creationId xmlns:p14="http://schemas.microsoft.com/office/powerpoint/2010/main" val="4217578928"/>
+      </p:ext>
+    </p:extLst>
+  </p:cSld>
+  <p:clrMapOvr>
+    <a:masterClrMapping/>
+  </p:clrMapOvr>
+</p:sld>
+</file>
+
+<file path=ppt/slides/slide22.xml><?xml version="1.0" encoding="utf-8"?>
+<p:sld xmlns:a="http://schemas.openxmlformats.org/drawingml/2006/main" xmlns:r="http://schemas.openxmlformats.org/officeDocument/2006/relationships" xmlns:p="http://schemas.openxmlformats.org/presentationml/2006/main">
+  <p:cSld>
+    <p:spTree>
+      <p:nvGrpSpPr>
+        <p:cNvPr id="1" name=""/>
+        <p:cNvGrpSpPr/>
+        <p:nvPr/>
+      </p:nvGrpSpPr>
+      <p:grpSpPr>
+        <a:xfrm>
+          <a:off x="0" y="0"/>
+          <a:ext cx="0" cy="0"/>
+          <a:chOff x="0" y="0"/>
+          <a:chExt cx="0" cy="0"/>
+        </a:xfrm>
+      </p:grpSpPr>
+      <p:sp>
+        <p:nvSpPr>
+          <p:cNvPr id="2" name="Title 1"/>
+          <p:cNvSpPr>
+            <a:spLocks noGrp="1"/>
+          </p:cNvSpPr>
+          <p:nvPr>
+            <p:ph type="title"/>
+          </p:nvPr>
+        </p:nvSpPr>
+        <p:spPr/>
+        <p:txBody>
+          <a:bodyPr/>
+          <a:lstStyle/>
+          <a:p>
+            <a:r>
+              <a:rPr lang="en-US" dirty="0" smtClean="0"/>
+              <a:t>Lazy&lt;T&gt;</a:t>
+            </a:r>
+            <a:endParaRPr lang="en-GB" dirty="0"/>
+          </a:p>
+        </p:txBody>
+      </p:sp>
+      <p:sp>
+        <p:nvSpPr>
+          <p:cNvPr id="3" name="Content Placeholder 2"/>
+          <p:cNvSpPr>
+            <a:spLocks noGrp="1"/>
+          </p:cNvSpPr>
+          <p:nvPr>
+            <p:ph idx="1"/>
+          </p:nvPr>
+        </p:nvSpPr>
+        <p:spPr/>
+        <p:txBody>
+          <a:bodyPr/>
+          <a:lstStyle/>
+          <a:p>
+            <a:r>
+              <a:rPr lang="en-US" dirty="0" smtClean="0"/>
+              <a:t>Lazy&lt;T</a:t>
+            </a:r>
+            <a:r>
+              <a:rPr lang="en-US" dirty="0"/>
+              <a:t>&gt;</a:t>
+            </a:r>
+            <a:r>
+              <a:rPr lang="en-US" dirty="0"/>
+              <a:t> ensures that only a single instance is ever created, and that instance will be returned when accessing the </a:t>
+            </a:r>
+            <a:r>
+              <a:rPr lang="en-US" dirty="0"/>
+              <a:t>Value</a:t>
+            </a:r>
+            <a:r>
+              <a:rPr lang="en-US" dirty="0"/>
+              <a:t> </a:t>
+            </a:r>
+            <a:r>
+              <a:rPr lang="en-US" dirty="0" smtClean="0"/>
+              <a:t>property</a:t>
+            </a:r>
+          </a:p>
+          <a:p>
+            <a:r>
+              <a:rPr lang="en-US" dirty="0"/>
+              <a:t>T</a:t>
+            </a:r>
+            <a:r>
+              <a:rPr lang="en-US" dirty="0" smtClean="0"/>
+              <a:t>he </a:t>
+            </a:r>
+            <a:r>
+              <a:rPr lang="en-US" dirty="0"/>
+              <a:t>creation of such instance is delayed until the first call to </a:t>
+            </a:r>
+            <a:r>
+              <a:rPr lang="en-US" dirty="0" smtClean="0"/>
+              <a:t>Value</a:t>
+            </a:r>
+          </a:p>
+          <a:p>
+            <a:endParaRPr lang="en-GB" dirty="0"/>
+          </a:p>
+        </p:txBody>
+      </p:sp>
+    </p:spTree>
+    <p:extLst>
+      <p:ext uri="{BB962C8B-B14F-4D97-AF65-F5344CB8AC3E}">
+        <p14:creationId xmlns:p14="http://schemas.microsoft.com/office/powerpoint/2010/main" val="576961370"/>
+      </p:ext>
+    </p:extLst>
+  </p:cSld>
+  <p:clrMapOvr>
+    <a:masterClrMapping/>
+  </p:clrMapOvr>
+</p:sld>
+</file>
+
+<file path=ppt/slides/slide23.xml><?xml version="1.0" encoding="utf-8"?>
+<p:sld xmlns:a="http://schemas.openxmlformats.org/drawingml/2006/main" xmlns:r="http://schemas.openxmlformats.org/officeDocument/2006/relationships" xmlns:p="http://schemas.openxmlformats.org/presentationml/2006/main">
+  <p:cSld>
+    <p:spTree>
+      <p:nvGrpSpPr>
+        <p:cNvPr id="1" name=""/>
+        <p:cNvGrpSpPr/>
+        <p:nvPr/>
+      </p:nvGrpSpPr>
+      <p:grpSpPr>
+        <a:xfrm>
+          <a:off x="0" y="0"/>
+          <a:ext cx="0" cy="0"/>
+          <a:chOff x="0" y="0"/>
+          <a:chExt cx="0" cy="0"/>
+        </a:xfrm>
+      </p:grpSpPr>
+      <p:sp>
+        <p:nvSpPr>
+          <p:cNvPr id="2" name="Title 1"/>
+          <p:cNvSpPr>
+            <a:spLocks noGrp="1"/>
+          </p:cNvSpPr>
+          <p:nvPr>
+            <p:ph type="title"/>
+          </p:nvPr>
+        </p:nvSpPr>
+        <p:spPr/>
+        <p:txBody>
+          <a:bodyPr/>
+          <a:lstStyle/>
+          <a:p>
+            <a:r>
+              <a:rPr lang="en-US" dirty="0" smtClean="0"/>
+              <a:t>When to use Lazy&lt;T&gt;</a:t>
+            </a:r>
+            <a:endParaRPr lang="en-GB" dirty="0"/>
+          </a:p>
+        </p:txBody>
+      </p:sp>
+      <p:sp>
+        <p:nvSpPr>
+          <p:cNvPr id="3" name="Content Placeholder 2"/>
+          <p:cNvSpPr>
+            <a:spLocks noGrp="1"/>
+          </p:cNvSpPr>
+          <p:nvPr>
+            <p:ph idx="1"/>
+          </p:nvPr>
+        </p:nvSpPr>
+        <p:spPr/>
+        <p:txBody>
+          <a:bodyPr/>
+          <a:lstStyle/>
+          <a:p>
+            <a:r>
+              <a:rPr lang="en-US" dirty="0"/>
+              <a:t>Use lazy initialization to defer the creation of a large or resource-intensive object, or the execution of a resource-intensive task, particularly when such creation or execution might not occur during the lifetime of the program.</a:t>
+            </a:r>
+            <a:endParaRPr lang="en-GB" dirty="0"/>
+          </a:p>
+        </p:txBody>
+      </p:sp>
+    </p:spTree>
+    <p:extLst>
+      <p:ext uri="{BB962C8B-B14F-4D97-AF65-F5344CB8AC3E}">
+        <p14:creationId xmlns:p14="http://schemas.microsoft.com/office/powerpoint/2010/main" val="2942830501"/>
+      </p:ext>
+    </p:extLst>
+  </p:cSld>
+  <p:clrMapOvr>
+    <a:masterClrMapping/>
+  </p:clrMapOvr>
+</p:sld>
+</file>
+
+<file path=ppt/slides/slide24.xml><?xml version="1.0" encoding="utf-8"?>
+<p:sld xmlns:a="http://schemas.openxmlformats.org/drawingml/2006/main" xmlns:r="http://schemas.openxmlformats.org/officeDocument/2006/relationships" xmlns:p="http://schemas.openxmlformats.org/presentationml/2006/main">
+  <p:cSld>
+    <p:spTree>
+      <p:nvGrpSpPr>
+        <p:cNvPr id="1" name=""/>
+        <p:cNvGrpSpPr/>
+        <p:nvPr/>
+      </p:nvGrpSpPr>
+      <p:grpSpPr>
+        <a:xfrm>
+          <a:off x="0" y="0"/>
+          <a:ext cx="0" cy="0"/>
+          <a:chOff x="0" y="0"/>
+          <a:chExt cx="0" cy="0"/>
+        </a:xfrm>
+      </p:grpSpPr>
+      <p:sp>
+        <p:nvSpPr>
+          <p:cNvPr id="2" name="Title 1"/>
+          <p:cNvSpPr>
+            <a:spLocks noGrp="1"/>
+          </p:cNvSpPr>
+          <p:nvPr>
+            <p:ph type="title"/>
+          </p:nvPr>
+        </p:nvSpPr>
+        <p:spPr/>
+        <p:txBody>
+          <a:bodyPr/>
+          <a:lstStyle/>
+          <a:p>
+            <a:r>
+              <a:rPr lang="en-US" dirty="0" smtClean="0"/>
+              <a:t>Thread Safety</a:t>
+            </a:r>
+            <a:endParaRPr lang="en-GB" dirty="0"/>
+          </a:p>
+        </p:txBody>
+      </p:sp>
+      <p:sp>
+        <p:nvSpPr>
+          <p:cNvPr id="3" name="Content Placeholder 2"/>
+          <p:cNvSpPr>
+            <a:spLocks noGrp="1"/>
+          </p:cNvSpPr>
+          <p:nvPr>
+            <p:ph idx="1"/>
+          </p:nvPr>
+        </p:nvSpPr>
+        <p:spPr/>
+        <p:txBody>
+          <a:bodyPr>
+            <a:normAutofit fontScale="92500" lnSpcReduction="20000"/>
+          </a:bodyPr>
+          <a:lstStyle/>
+          <a:p>
+            <a:r>
+              <a:rPr lang="en-US" dirty="0"/>
+              <a:t>By default, </a:t>
+            </a:r>
+            <a:r>
+              <a:rPr lang="en-US" dirty="0">
+                <a:hlinkClick r:id="rId2"/>
+              </a:rPr>
+              <a:t>Lazy&lt;T&gt;</a:t>
+            </a:r>
+            <a:r>
+              <a:rPr lang="en-US" dirty="0"/>
+              <a:t> objects are </a:t>
+            </a:r>
+            <a:r>
+              <a:rPr lang="en-US" dirty="0" smtClean="0"/>
+              <a:t>thread-safe.</a:t>
+            </a:r>
+          </a:p>
+          <a:p>
+            <a:r>
+              <a:rPr lang="en-US" dirty="0"/>
+              <a:t>I</a:t>
+            </a:r>
+            <a:r>
+              <a:rPr lang="en-US" dirty="0" smtClean="0"/>
+              <a:t>f </a:t>
+            </a:r>
+            <a:r>
+              <a:rPr lang="en-US" dirty="0"/>
+              <a:t>the constructor does not specify the kind of thread safety, the </a:t>
+            </a:r>
+            <a:r>
+              <a:rPr lang="en-US" dirty="0">
+                <a:hlinkClick r:id="rId2"/>
+              </a:rPr>
+              <a:t>Lazy&lt;T&gt;</a:t>
+            </a:r>
+            <a:r>
+              <a:rPr lang="en-US" dirty="0"/>
+              <a:t> objects it creates are thread-safe. </a:t>
+            </a:r>
+            <a:endParaRPr lang="en-US" dirty="0" smtClean="0"/>
+          </a:p>
+          <a:p>
+            <a:r>
+              <a:rPr lang="en-US" dirty="0" smtClean="0"/>
+              <a:t>In </a:t>
+            </a:r>
+            <a:r>
+              <a:rPr lang="en-US" dirty="0"/>
+              <a:t>multi-threaded scenarios, the first thread to access the </a:t>
+            </a:r>
+            <a:r>
+              <a:rPr lang="en-US" dirty="0">
+                <a:hlinkClick r:id="rId3"/>
+              </a:rPr>
+              <a:t>Value</a:t>
+            </a:r>
+            <a:r>
+              <a:rPr lang="en-US" dirty="0"/>
+              <a:t> property of a thread-safe </a:t>
+            </a:r>
+            <a:r>
+              <a:rPr lang="en-US" dirty="0">
+                <a:hlinkClick r:id="rId2"/>
+              </a:rPr>
+              <a:t>Lazy&lt;T&gt;</a:t>
+            </a:r>
+            <a:r>
+              <a:rPr lang="en-US" dirty="0"/>
+              <a:t> object initializes it for all subsequent accesses on all threads, and all threads share the same data. </a:t>
+            </a:r>
+            <a:endParaRPr lang="en-US" dirty="0" smtClean="0"/>
+          </a:p>
+          <a:p>
+            <a:r>
+              <a:rPr lang="en-US" dirty="0" smtClean="0"/>
+              <a:t>It does </a:t>
+            </a:r>
+            <a:r>
+              <a:rPr lang="en-US" dirty="0"/>
+              <a:t>not matter which thread initializes the object, and race conditions are benign.</a:t>
+            </a:r>
+            <a:endParaRPr lang="en-GB" dirty="0"/>
+          </a:p>
+        </p:txBody>
+      </p:sp>
+    </p:spTree>
+    <p:extLst>
+      <p:ext uri="{BB962C8B-B14F-4D97-AF65-F5344CB8AC3E}">
+        <p14:creationId xmlns:p14="http://schemas.microsoft.com/office/powerpoint/2010/main" val="3729530223"/>
+      </p:ext>
+    </p:extLst>
+  </p:cSld>
+  <p:clrMapOvr>
+    <a:masterClrMapping/>
+  </p:clrMapOvr>
+</p:sld>
+</file>
+
+<file path=ppt/slides/slide25.xml><?xml version="1.0" encoding="utf-8"?>
+<p:sld xmlns:a="http://schemas.openxmlformats.org/drawingml/2006/main" xmlns:r="http://schemas.openxmlformats.org/officeDocument/2006/relationships" xmlns:p="http://schemas.openxmlformats.org/presentationml/2006/main">
+  <p:cSld>
+    <p:spTree>
+      <p:nvGrpSpPr>
+        <p:cNvPr id="1" name=""/>
+        <p:cNvGrpSpPr/>
+        <p:nvPr/>
+      </p:nvGrpSpPr>
+      <p:grpSpPr>
+        <a:xfrm>
+          <a:off x="0" y="0"/>
+          <a:ext cx="0" cy="0"/>
+          <a:chOff x="0" y="0"/>
+          <a:chExt cx="0" cy="0"/>
+        </a:xfrm>
+      </p:grpSpPr>
+      <p:sp>
+        <p:nvSpPr>
+          <p:cNvPr id="2" name="Title 1"/>
+          <p:cNvSpPr>
+            <a:spLocks noGrp="1"/>
+          </p:cNvSpPr>
+          <p:nvPr>
+            <p:ph type="title"/>
+          </p:nvPr>
+        </p:nvSpPr>
+        <p:spPr/>
+        <p:txBody>
+          <a:bodyPr/>
+          <a:lstStyle/>
+          <a:p>
+            <a:r>
+              <a:rPr lang="en-US" dirty="0" smtClean="0"/>
+              <a:t>Thread Safety</a:t>
+            </a:r>
+            <a:endParaRPr lang="en-GB" dirty="0"/>
+          </a:p>
+        </p:txBody>
+      </p:sp>
+      <p:sp>
+        <p:nvSpPr>
+          <p:cNvPr id="3" name="Content Placeholder 2"/>
+          <p:cNvSpPr>
+            <a:spLocks noGrp="1"/>
+          </p:cNvSpPr>
+          <p:nvPr>
+            <p:ph idx="1"/>
+          </p:nvPr>
+        </p:nvSpPr>
+        <p:spPr/>
+        <p:txBody>
+          <a:bodyPr/>
+          <a:lstStyle/>
+          <a:p>
+            <a:r>
+              <a:rPr lang="en-US" dirty="0" smtClean="0"/>
+              <a:t>Thread Safety applies only to creation not to read or writes!</a:t>
+            </a:r>
+            <a:endParaRPr lang="en-GB" dirty="0"/>
+          </a:p>
+        </p:txBody>
+      </p:sp>
+    </p:spTree>
+    <p:extLst>
+      <p:ext uri="{BB962C8B-B14F-4D97-AF65-F5344CB8AC3E}">
+        <p14:creationId xmlns:p14="http://schemas.microsoft.com/office/powerpoint/2010/main" val="2129519046"/>
+      </p:ext>
+    </p:extLst>
+  </p:cSld>
+  <p:clrMapOvr>
+    <a:masterClrMapping/>
+  </p:clrMapOvr>
+</p:sld>
+</file>
+
 <file path=ppt/slides/slide3.xml><?xml version="1.0" encoding="utf-8"?>
 <p:sld xmlns:a="http://schemas.openxmlformats.org/drawingml/2006/main" xmlns:r="http://schemas.openxmlformats.org/officeDocument/2006/relationships" xmlns:p="http://schemas.openxmlformats.org/presentationml/2006/main">
   <p:cSld>
@@ -4498,7 +5557,11 @@
           <a:bodyPr/>
           <a:lstStyle/>
           <a:p>
-            <a:endParaRPr lang="en-GB"/>
+            <a:r>
+              <a:rPr lang="en-US" dirty="0" smtClean="0"/>
+              <a:t>Benchmark</a:t>
+            </a:r>
+            <a:endParaRPr lang="en-GB" dirty="0"/>
           </a:p>
         </p:txBody>
       </p:sp>
@@ -4580,6 +5643,466 @@
 </file>
 
 <file path=ppt/slides/slide4.xml><?xml version="1.0" encoding="utf-8"?>
+<p:sld xmlns:a="http://schemas.openxmlformats.org/drawingml/2006/main" xmlns:r="http://schemas.openxmlformats.org/officeDocument/2006/relationships" xmlns:p="http://schemas.openxmlformats.org/presentationml/2006/main">
+  <p:cSld>
+    <p:spTree>
+      <p:nvGrpSpPr>
+        <p:cNvPr id="1" name=""/>
+        <p:cNvGrpSpPr/>
+        <p:nvPr/>
+      </p:nvGrpSpPr>
+      <p:grpSpPr>
+        <a:xfrm>
+          <a:off x="0" y="0"/>
+          <a:ext cx="0" cy="0"/>
+          <a:chOff x="0" y="0"/>
+          <a:chExt cx="0" cy="0"/>
+        </a:xfrm>
+      </p:grpSpPr>
+      <p:sp>
+        <p:nvSpPr>
+          <p:cNvPr id="2" name="Title 1"/>
+          <p:cNvSpPr>
+            <a:spLocks noGrp="1"/>
+          </p:cNvSpPr>
+          <p:nvPr>
+            <p:ph type="title"/>
+          </p:nvPr>
+        </p:nvSpPr>
+        <p:spPr/>
+        <p:txBody>
+          <a:bodyPr/>
+          <a:lstStyle/>
+          <a:p>
+            <a:r>
+              <a:rPr lang="en-US" dirty="0" smtClean="0"/>
+              <a:t>Results Interpretation</a:t>
+            </a:r>
+            <a:endParaRPr lang="en-GB" dirty="0"/>
+          </a:p>
+        </p:txBody>
+      </p:sp>
+      <p:pic>
+        <p:nvPicPr>
+          <p:cNvPr id="1027" name="Picture 3"/>
+          <p:cNvPicPr>
+            <a:picLocks noChangeAspect="1" noChangeArrowheads="1"/>
+          </p:cNvPicPr>
+          <p:nvPr/>
+        </p:nvPicPr>
+        <p:blipFill>
+          <a:blip r:embed="rId2">
+            <a:extLst>
+              <a:ext uri="{28A0092B-C50C-407E-A947-70E740481C1C}">
+                <a14:useLocalDpi xmlns:a14="http://schemas.microsoft.com/office/drawing/2010/main" val="0"/>
+              </a:ext>
+            </a:extLst>
+          </a:blip>
+          <a:srcRect/>
+          <a:stretch>
+            <a:fillRect/>
+          </a:stretch>
+        </p:blipFill>
+        <p:spPr bwMode="auto">
+          <a:xfrm>
+            <a:off x="539552" y="1124744"/>
+            <a:ext cx="6572078" cy="1979252"/>
+          </a:xfrm>
+          <a:prstGeom prst="rect">
+            <a:avLst/>
+          </a:prstGeom>
+          <a:noFill/>
+          <a:ln>
+            <a:noFill/>
+          </a:ln>
+          <a:effectLst/>
+          <a:extLst>
+            <a:ext uri="{909E8E84-426E-40DD-AFC4-6F175D3DCCD1}">
+              <a14:hiddenFill xmlns:a14="http://schemas.microsoft.com/office/drawing/2010/main">
+                <a:solidFill>
+                  <a:schemeClr val="accent1"/>
+                </a:solidFill>
+              </a14:hiddenFill>
+            </a:ext>
+            <a:ext uri="{91240B29-F687-4F45-9708-019B960494DF}">
+              <a14:hiddenLine xmlns:a14="http://schemas.microsoft.com/office/drawing/2010/main" w="9525">
+                <a:solidFill>
+                  <a:schemeClr val="tx1"/>
+                </a:solidFill>
+                <a:miter lim="800000"/>
+                <a:headEnd/>
+                <a:tailEnd/>
+              </a14:hiddenLine>
+            </a:ext>
+            <a:ext uri="{AF507438-7753-43E0-B8FC-AC1667EBCBE1}">
+              <a14:hiddenEffects xmlns:a14="http://schemas.microsoft.com/office/drawing/2010/main">
+                <a:effectLst>
+                  <a:outerShdw dist="35921" dir="2700000" algn="ctr" rotWithShape="0">
+                    <a:schemeClr val="bg2"/>
+                  </a:outerShdw>
+                </a:effectLst>
+              </a14:hiddenEffects>
+            </a:ext>
+          </a:extLst>
+        </p:spPr>
+      </p:pic>
+      <p:sp>
+        <p:nvSpPr>
+          <p:cNvPr id="5" name="TextBox 4"/>
+          <p:cNvSpPr txBox="1"/>
+          <p:nvPr/>
+        </p:nvSpPr>
+        <p:spPr>
+          <a:xfrm>
+            <a:off x="467544" y="3356992"/>
+            <a:ext cx="8331896" cy="1754326"/>
+          </a:xfrm>
+          <a:prstGeom prst="rect">
+            <a:avLst/>
+          </a:prstGeom>
+          <a:noFill/>
+        </p:spPr>
+        <p:txBody>
+          <a:bodyPr wrap="none" rtlCol="0">
+            <a:spAutoFit/>
+          </a:bodyPr>
+          <a:lstStyle/>
+          <a:p>
+            <a:r>
+              <a:rPr lang="en-US" dirty="0" smtClean="0"/>
+              <a:t>- The </a:t>
+            </a:r>
+            <a:r>
+              <a:rPr lang="en-US" b="1" dirty="0"/>
+              <a:t>mean</a:t>
+            </a:r>
+            <a:r>
+              <a:rPr lang="en-US" dirty="0"/>
+              <a:t> column gives us the average (or the arithmetic mean) of all measurements </a:t>
+            </a:r>
+            <a:endParaRPr lang="en-US" dirty="0" smtClean="0"/>
+          </a:p>
+          <a:p>
+            <a:r>
+              <a:rPr lang="en-US" dirty="0" smtClean="0"/>
+              <a:t>for </a:t>
+            </a:r>
+            <a:r>
+              <a:rPr lang="en-US" dirty="0"/>
+              <a:t>the corresponding method. </a:t>
+            </a:r>
+            <a:r>
+              <a:rPr lang="en-US" dirty="0"/>
+              <a:t> </a:t>
+            </a:r>
+            <a:r>
+              <a:rPr lang="en-US" dirty="0"/>
+              <a:t>We use an average because there is no way </a:t>
+            </a:r>
+            <a:endParaRPr lang="en-US" dirty="0" smtClean="0"/>
+          </a:p>
+          <a:p>
+            <a:r>
+              <a:rPr lang="en-US" dirty="0" smtClean="0"/>
+              <a:t>to </a:t>
+            </a:r>
+            <a:r>
+              <a:rPr lang="en-US" dirty="0"/>
+              <a:t>measure the absolute execution duration of a method. </a:t>
+            </a:r>
+            <a:endParaRPr lang="en-US" dirty="0" smtClean="0"/>
+          </a:p>
+          <a:p>
+            <a:r>
+              <a:rPr lang="en-US" dirty="0" smtClean="0"/>
+              <a:t> - </a:t>
+            </a:r>
+            <a:r>
+              <a:rPr lang="en-US" dirty="0"/>
+              <a:t>The </a:t>
+            </a:r>
+            <a:r>
+              <a:rPr lang="en-US" b="1" dirty="0"/>
+              <a:t>error</a:t>
+            </a:r>
+            <a:r>
+              <a:rPr lang="en-US" dirty="0"/>
+              <a:t> column refers to half of the 99.9% confidence interval. In other words, </a:t>
+            </a:r>
+            <a:endParaRPr lang="en-US" dirty="0" smtClean="0"/>
+          </a:p>
+          <a:p>
+            <a:r>
+              <a:rPr lang="en-US" dirty="0" smtClean="0"/>
+              <a:t>we </a:t>
+            </a:r>
+            <a:r>
+              <a:rPr lang="en-US" dirty="0"/>
+              <a:t>can be 99.9% sure that the actual mean is within 2.55 nanoseconds </a:t>
+            </a:r>
+            <a:endParaRPr lang="en-US" dirty="0" smtClean="0"/>
+          </a:p>
+          <a:p>
+            <a:r>
+              <a:rPr lang="en-US" dirty="0" smtClean="0"/>
+              <a:t>of </a:t>
+            </a:r>
+            <a:r>
+              <a:rPr lang="en-US" dirty="0"/>
+              <a:t>the sampled mean</a:t>
+            </a:r>
+            <a:r>
+              <a:rPr lang="en-US" dirty="0" smtClean="0"/>
+              <a:t>.</a:t>
+            </a:r>
+            <a:endParaRPr lang="en-GB" dirty="0"/>
+          </a:p>
+        </p:txBody>
+      </p:sp>
+    </p:spTree>
+    <p:extLst>
+      <p:ext uri="{BB962C8B-B14F-4D97-AF65-F5344CB8AC3E}">
+        <p14:creationId xmlns:p14="http://schemas.microsoft.com/office/powerpoint/2010/main" val="3352309851"/>
+      </p:ext>
+    </p:extLst>
+  </p:cSld>
+  <p:clrMapOvr>
+    <a:masterClrMapping/>
+  </p:clrMapOvr>
+</p:sld>
+</file>
+
+<file path=ppt/slides/slide5.xml><?xml version="1.0" encoding="utf-8"?>
+<p:sld xmlns:a="http://schemas.openxmlformats.org/drawingml/2006/main" xmlns:r="http://schemas.openxmlformats.org/officeDocument/2006/relationships" xmlns:p="http://schemas.openxmlformats.org/presentationml/2006/main">
+  <p:cSld>
+    <p:spTree>
+      <p:nvGrpSpPr>
+        <p:cNvPr id="1" name=""/>
+        <p:cNvGrpSpPr/>
+        <p:nvPr/>
+      </p:nvGrpSpPr>
+      <p:grpSpPr>
+        <a:xfrm>
+          <a:off x="0" y="0"/>
+          <a:ext cx="0" cy="0"/>
+          <a:chOff x="0" y="0"/>
+          <a:chExt cx="0" cy="0"/>
+        </a:xfrm>
+      </p:grpSpPr>
+      <p:sp>
+        <p:nvSpPr>
+          <p:cNvPr id="2" name="Title 1"/>
+          <p:cNvSpPr>
+            <a:spLocks noGrp="1"/>
+          </p:cNvSpPr>
+          <p:nvPr>
+            <p:ph type="title"/>
+          </p:nvPr>
+        </p:nvSpPr>
+        <p:spPr/>
+        <p:txBody>
+          <a:bodyPr/>
+          <a:lstStyle/>
+          <a:p>
+            <a:r>
+              <a:rPr lang="en-US" dirty="0" smtClean="0"/>
+              <a:t>Results Interpretation</a:t>
+            </a:r>
+            <a:endParaRPr lang="en-GB" dirty="0"/>
+          </a:p>
+        </p:txBody>
+      </p:sp>
+      <p:pic>
+        <p:nvPicPr>
+          <p:cNvPr id="1027" name="Picture 3"/>
+          <p:cNvPicPr>
+            <a:picLocks noChangeAspect="1" noChangeArrowheads="1"/>
+          </p:cNvPicPr>
+          <p:nvPr/>
+        </p:nvPicPr>
+        <p:blipFill>
+          <a:blip r:embed="rId2">
+            <a:extLst>
+              <a:ext uri="{28A0092B-C50C-407E-A947-70E740481C1C}">
+                <a14:useLocalDpi xmlns:a14="http://schemas.microsoft.com/office/drawing/2010/main" val="0"/>
+              </a:ext>
+            </a:extLst>
+          </a:blip>
+          <a:srcRect/>
+          <a:stretch>
+            <a:fillRect/>
+          </a:stretch>
+        </p:blipFill>
+        <p:spPr bwMode="auto">
+          <a:xfrm>
+            <a:off x="539552" y="1124744"/>
+            <a:ext cx="6572078" cy="1979252"/>
+          </a:xfrm>
+          <a:prstGeom prst="rect">
+            <a:avLst/>
+          </a:prstGeom>
+          <a:noFill/>
+          <a:ln>
+            <a:noFill/>
+          </a:ln>
+          <a:effectLst/>
+          <a:extLst>
+            <a:ext uri="{909E8E84-426E-40DD-AFC4-6F175D3DCCD1}">
+              <a14:hiddenFill xmlns:a14="http://schemas.microsoft.com/office/drawing/2010/main">
+                <a:solidFill>
+                  <a:schemeClr val="accent1"/>
+                </a:solidFill>
+              </a14:hiddenFill>
+            </a:ext>
+            <a:ext uri="{91240B29-F687-4F45-9708-019B960494DF}">
+              <a14:hiddenLine xmlns:a14="http://schemas.microsoft.com/office/drawing/2010/main" w="9525">
+                <a:solidFill>
+                  <a:schemeClr val="tx1"/>
+                </a:solidFill>
+                <a:miter lim="800000"/>
+                <a:headEnd/>
+                <a:tailEnd/>
+              </a14:hiddenLine>
+            </a:ext>
+            <a:ext uri="{AF507438-7753-43E0-B8FC-AC1667EBCBE1}">
+              <a14:hiddenEffects xmlns:a14="http://schemas.microsoft.com/office/drawing/2010/main">
+                <a:effectLst>
+                  <a:outerShdw dist="35921" dir="2700000" algn="ctr" rotWithShape="0">
+                    <a:schemeClr val="bg2"/>
+                  </a:outerShdw>
+                </a:effectLst>
+              </a14:hiddenEffects>
+            </a:ext>
+          </a:extLst>
+        </p:spPr>
+      </p:pic>
+      <p:sp>
+        <p:nvSpPr>
+          <p:cNvPr id="5" name="TextBox 4"/>
+          <p:cNvSpPr txBox="1"/>
+          <p:nvPr/>
+        </p:nvSpPr>
+        <p:spPr>
+          <a:xfrm>
+            <a:off x="467544" y="3356992"/>
+            <a:ext cx="8153579" cy="1754326"/>
+          </a:xfrm>
+          <a:prstGeom prst="rect">
+            <a:avLst/>
+          </a:prstGeom>
+          <a:noFill/>
+        </p:spPr>
+        <p:txBody>
+          <a:bodyPr wrap="none" rtlCol="0">
+            <a:spAutoFit/>
+          </a:bodyPr>
+          <a:lstStyle/>
+          <a:p>
+            <a:pPr marL="285750" indent="-285750">
+              <a:buFontTx/>
+              <a:buChar char="-"/>
+            </a:pPr>
+            <a:r>
+              <a:rPr lang="en-US" dirty="0" smtClean="0"/>
+              <a:t>The </a:t>
+            </a:r>
+            <a:r>
+              <a:rPr lang="en-US" b="1" dirty="0"/>
+              <a:t>standard deviation </a:t>
+            </a:r>
+            <a:r>
+              <a:rPr lang="en-US" dirty="0"/>
+              <a:t>(</a:t>
+            </a:r>
+            <a:r>
+              <a:rPr lang="en-US" b="1" dirty="0" err="1"/>
+              <a:t>StdDev</a:t>
+            </a:r>
+            <a:r>
+              <a:rPr lang="en-US" dirty="0"/>
+              <a:t>) column tells us how much the executions varied </a:t>
+            </a:r>
+            <a:endParaRPr lang="en-US" dirty="0" smtClean="0"/>
+          </a:p>
+          <a:p>
+            <a:r>
+              <a:rPr lang="en-US" dirty="0" smtClean="0"/>
+              <a:t>from </a:t>
+            </a:r>
+            <a:r>
+              <a:rPr lang="en-US" dirty="0"/>
+              <a:t>the mean. A small standard deviation generally means that the sample mean </a:t>
+            </a:r>
+            <a:endParaRPr lang="en-US" dirty="0" smtClean="0"/>
+          </a:p>
+          <a:p>
+            <a:r>
+              <a:rPr lang="en-US" dirty="0" smtClean="0"/>
+              <a:t>is </a:t>
+            </a:r>
+            <a:r>
+              <a:rPr lang="en-US" dirty="0"/>
+              <a:t>a good representation of the actual mean. </a:t>
+            </a:r>
+            <a:endParaRPr lang="en-US" dirty="0" smtClean="0"/>
+          </a:p>
+          <a:p>
+            <a:r>
+              <a:rPr lang="en-US" dirty="0"/>
+              <a:t>T</a:t>
+            </a:r>
+            <a:r>
+              <a:rPr lang="en-US" dirty="0" smtClean="0"/>
+              <a:t>he </a:t>
+            </a:r>
+            <a:r>
+              <a:rPr lang="en-US" dirty="0"/>
+              <a:t>median column gives us the midpoint of the dataset and along with the other </a:t>
+            </a:r>
+            <a:endParaRPr lang="en-US" dirty="0" smtClean="0"/>
+          </a:p>
+          <a:p>
+            <a:r>
+              <a:rPr lang="en-US" dirty="0" smtClean="0"/>
+              <a:t>statistical </a:t>
+            </a:r>
+            <a:r>
+              <a:rPr lang="en-US" dirty="0"/>
+              <a:t>values tells us how reliable the sampled mean is. </a:t>
+            </a:r>
+            <a:endParaRPr lang="en-US" dirty="0" smtClean="0"/>
+          </a:p>
+          <a:p>
+            <a:r>
+              <a:rPr lang="en-US" dirty="0" err="1" smtClean="0"/>
+              <a:t>BenchmarkDotNet</a:t>
+            </a:r>
+            <a:r>
+              <a:rPr lang="en-US" dirty="0" smtClean="0"/>
+              <a:t> </a:t>
+            </a:r>
+            <a:r>
+              <a:rPr lang="en-US" dirty="0"/>
+              <a:t>only generates this column if the distribution seems strange.</a:t>
+            </a:r>
+            <a:endParaRPr lang="en-GB" dirty="0"/>
+          </a:p>
+        </p:txBody>
+      </p:sp>
+    </p:spTree>
+    <p:extLst>
+      <p:ext uri="{BB962C8B-B14F-4D97-AF65-F5344CB8AC3E}">
+        <p14:creationId xmlns:p14="http://schemas.microsoft.com/office/powerpoint/2010/main" val="677460965"/>
+      </p:ext>
+    </p:extLst>
+  </p:cSld>
+  <p:clrMapOvr>
+    <a:masterClrMapping/>
+  </p:clrMapOvr>
+</p:sld>
+</file>
+
+<file path=ppt/slides/slide6.xml><?xml version="1.0" encoding="utf-8"?>
 <p:sld xmlns:a="http://schemas.openxmlformats.org/drawingml/2006/main" xmlns:r="http://schemas.openxmlformats.org/officeDocument/2006/relationships" xmlns:p="http://schemas.openxmlformats.org/presentationml/2006/main">
   <p:cSld>
     <p:spTree>
@@ -4762,7 +6285,7 @@
 </p:sld>
 </file>
 
-<file path=ppt/slides/slide5.xml><?xml version="1.0" encoding="utf-8"?>
+<file path=ppt/slides/slide7.xml><?xml version="1.0" encoding="utf-8"?>
 <p:sld xmlns:a="http://schemas.openxmlformats.org/drawingml/2006/main" xmlns:r="http://schemas.openxmlformats.org/officeDocument/2006/relationships" xmlns:p="http://schemas.openxmlformats.org/presentationml/2006/main">
   <p:cSld>
     <p:spTree>
@@ -4949,7 +6472,7 @@
 </p:sld>
 </file>
 
-<file path=ppt/slides/slide6.xml><?xml version="1.0" encoding="utf-8"?>
+<file path=ppt/slides/slide8.xml><?xml version="1.0" encoding="utf-8"?>
 <p:sld xmlns:a="http://schemas.openxmlformats.org/drawingml/2006/main" xmlns:r="http://schemas.openxmlformats.org/officeDocument/2006/relationships" xmlns:p="http://schemas.openxmlformats.org/presentationml/2006/main">
   <p:cSld>
     <p:spTree>
@@ -5130,7 +6653,7 @@
 </p:sld>
 </file>
 
-<file path=ppt/slides/slide7.xml><?xml version="1.0" encoding="utf-8"?>
+<file path=ppt/slides/slide9.xml><?xml version="1.0" encoding="utf-8"?>
 <p:sld xmlns:a="http://schemas.openxmlformats.org/drawingml/2006/main" xmlns:r="http://schemas.openxmlformats.org/officeDocument/2006/relationships" xmlns:p="http://schemas.openxmlformats.org/presentationml/2006/main">
   <p:cSld>
     <p:spTree>
@@ -5306,432 +6829,6 @@
     <p:extLst>
       <p:ext uri="{BB962C8B-B14F-4D97-AF65-F5344CB8AC3E}">
         <p14:creationId xmlns:p14="http://schemas.microsoft.com/office/powerpoint/2010/main" val="1632880638"/>
-      </p:ext>
-    </p:extLst>
-  </p:cSld>
-  <p:clrMapOvr>
-    <a:masterClrMapping/>
-  </p:clrMapOvr>
-</p:sld>
-</file>
-
-<file path=ppt/slides/slide8.xml><?xml version="1.0" encoding="utf-8"?>
-<p:sld xmlns:a="http://schemas.openxmlformats.org/drawingml/2006/main" xmlns:r="http://schemas.openxmlformats.org/officeDocument/2006/relationships" xmlns:p="http://schemas.openxmlformats.org/presentationml/2006/main">
-  <p:cSld>
-    <p:spTree>
-      <p:nvGrpSpPr>
-        <p:cNvPr id="1" name=""/>
-        <p:cNvGrpSpPr/>
-        <p:nvPr/>
-      </p:nvGrpSpPr>
-      <p:grpSpPr>
-        <a:xfrm>
-          <a:off x="0" y="0"/>
-          <a:ext cx="0" cy="0"/>
-          <a:chOff x="0" y="0"/>
-          <a:chExt cx="0" cy="0"/>
-        </a:xfrm>
-      </p:grpSpPr>
-      <p:sp>
-        <p:nvSpPr>
-          <p:cNvPr id="2" name="Title 1"/>
-          <p:cNvSpPr>
-            <a:spLocks noGrp="1"/>
-          </p:cNvSpPr>
-          <p:nvPr>
-            <p:ph type="title"/>
-          </p:nvPr>
-        </p:nvSpPr>
-        <p:spPr/>
-        <p:txBody>
-          <a:bodyPr/>
-          <a:lstStyle/>
-          <a:p>
-            <a:r>
-              <a:rPr lang="en-US" dirty="0" smtClean="0"/>
-              <a:t>Casting Objects</a:t>
-            </a:r>
-            <a:endParaRPr lang="en-GB" dirty="0"/>
-          </a:p>
-        </p:txBody>
-      </p:sp>
-      <p:pic>
-        <p:nvPicPr>
-          <p:cNvPr id="7170" name="Picture 2"/>
-          <p:cNvPicPr>
-            <a:picLocks noChangeAspect="1" noChangeArrowheads="1"/>
-          </p:cNvPicPr>
-          <p:nvPr/>
-        </p:nvPicPr>
-        <p:blipFill>
-          <a:blip r:embed="rId2">
-            <a:extLst>
-              <a:ext uri="{28A0092B-C50C-407E-A947-70E740481C1C}">
-                <a14:useLocalDpi xmlns:a14="http://schemas.microsoft.com/office/drawing/2010/main" val="0"/>
-              </a:ext>
-            </a:extLst>
-          </a:blip>
-          <a:srcRect/>
-          <a:stretch>
-            <a:fillRect/>
-          </a:stretch>
-        </p:blipFill>
-        <p:spPr bwMode="auto">
-          <a:xfrm>
-            <a:off x="539552" y="1484784"/>
-            <a:ext cx="6968070" cy="648072"/>
-          </a:xfrm>
-          <a:prstGeom prst="rect">
-            <a:avLst/>
-          </a:prstGeom>
-          <a:noFill/>
-          <a:ln>
-            <a:noFill/>
-          </a:ln>
-          <a:effectLst/>
-          <a:extLst>
-            <a:ext uri="{909E8E84-426E-40DD-AFC4-6F175D3DCCD1}">
-              <a14:hiddenFill xmlns:a14="http://schemas.microsoft.com/office/drawing/2010/main">
-                <a:solidFill>
-                  <a:schemeClr val="accent1"/>
-                </a:solidFill>
-              </a14:hiddenFill>
-            </a:ext>
-            <a:ext uri="{91240B29-F687-4F45-9708-019B960494DF}">
-              <a14:hiddenLine xmlns:a14="http://schemas.microsoft.com/office/drawing/2010/main" w="9525">
-                <a:solidFill>
-                  <a:schemeClr val="tx1"/>
-                </a:solidFill>
-                <a:miter lim="800000"/>
-                <a:headEnd/>
-                <a:tailEnd/>
-              </a14:hiddenLine>
-            </a:ext>
-            <a:ext uri="{AF507438-7753-43E0-B8FC-AC1667EBCBE1}">
-              <a14:hiddenEffects xmlns:a14="http://schemas.microsoft.com/office/drawing/2010/main">
-                <a:effectLst>
-                  <a:outerShdw dist="35921" dir="2700000" algn="ctr" rotWithShape="0">
-                    <a:schemeClr val="bg2"/>
-                  </a:outerShdw>
-                </a:effectLst>
-              </a14:hiddenEffects>
-            </a:ext>
-          </a:extLst>
-        </p:spPr>
-      </p:pic>
-      <p:pic>
-        <p:nvPicPr>
-          <p:cNvPr id="7171" name="Picture 3"/>
-          <p:cNvPicPr>
-            <a:picLocks noChangeAspect="1" noChangeArrowheads="1"/>
-          </p:cNvPicPr>
-          <p:nvPr/>
-        </p:nvPicPr>
-        <p:blipFill>
-          <a:blip r:embed="rId3">
-            <a:extLst>
-              <a:ext uri="{28A0092B-C50C-407E-A947-70E740481C1C}">
-                <a14:useLocalDpi xmlns:a14="http://schemas.microsoft.com/office/drawing/2010/main" val="0"/>
-              </a:ext>
-            </a:extLst>
-          </a:blip>
-          <a:srcRect/>
-          <a:stretch>
-            <a:fillRect/>
-          </a:stretch>
-        </p:blipFill>
-        <p:spPr bwMode="auto">
-          <a:xfrm>
-            <a:off x="1325546" y="2400300"/>
-            <a:ext cx="6906603" cy="1100708"/>
-          </a:xfrm>
-          <a:prstGeom prst="rect">
-            <a:avLst/>
-          </a:prstGeom>
-          <a:noFill/>
-          <a:ln>
-            <a:noFill/>
-          </a:ln>
-          <a:effectLst/>
-          <a:extLst>
-            <a:ext uri="{909E8E84-426E-40DD-AFC4-6F175D3DCCD1}">
-              <a14:hiddenFill xmlns:a14="http://schemas.microsoft.com/office/drawing/2010/main">
-                <a:solidFill>
-                  <a:schemeClr val="accent1"/>
-                </a:solidFill>
-              </a14:hiddenFill>
-            </a:ext>
-            <a:ext uri="{91240B29-F687-4F45-9708-019B960494DF}">
-              <a14:hiddenLine xmlns:a14="http://schemas.microsoft.com/office/drawing/2010/main" w="9525">
-                <a:solidFill>
-                  <a:schemeClr val="tx1"/>
-                </a:solidFill>
-                <a:miter lim="800000"/>
-                <a:headEnd/>
-                <a:tailEnd/>
-              </a14:hiddenLine>
-            </a:ext>
-            <a:ext uri="{AF507438-7753-43E0-B8FC-AC1667EBCBE1}">
-              <a14:hiddenEffects xmlns:a14="http://schemas.microsoft.com/office/drawing/2010/main">
-                <a:effectLst>
-                  <a:outerShdw dist="35921" dir="2700000" algn="ctr" rotWithShape="0">
-                    <a:schemeClr val="bg2"/>
-                  </a:outerShdw>
-                </a:effectLst>
-              </a14:hiddenEffects>
-            </a:ext>
-          </a:extLst>
-        </p:spPr>
-      </p:pic>
-      <p:pic>
-        <p:nvPicPr>
-          <p:cNvPr id="7172" name="Picture 4"/>
-          <p:cNvPicPr>
-            <a:picLocks noChangeAspect="1" noChangeArrowheads="1"/>
-          </p:cNvPicPr>
-          <p:nvPr/>
-        </p:nvPicPr>
-        <p:blipFill>
-          <a:blip r:embed="rId4">
-            <a:extLst>
-              <a:ext uri="{28A0092B-C50C-407E-A947-70E740481C1C}">
-                <a14:useLocalDpi xmlns:a14="http://schemas.microsoft.com/office/drawing/2010/main" val="0"/>
-              </a:ext>
-            </a:extLst>
-          </a:blip>
-          <a:srcRect/>
-          <a:stretch>
-            <a:fillRect/>
-          </a:stretch>
-        </p:blipFill>
-        <p:spPr bwMode="auto">
-          <a:xfrm>
-            <a:off x="1612578" y="4077072"/>
-            <a:ext cx="6332537" cy="914400"/>
-          </a:xfrm>
-          <a:prstGeom prst="rect">
-            <a:avLst/>
-          </a:prstGeom>
-          <a:noFill/>
-          <a:ln>
-            <a:noFill/>
-          </a:ln>
-          <a:effectLst/>
-          <a:extLst>
-            <a:ext uri="{909E8E84-426E-40DD-AFC4-6F175D3DCCD1}">
-              <a14:hiddenFill xmlns:a14="http://schemas.microsoft.com/office/drawing/2010/main">
-                <a:solidFill>
-                  <a:schemeClr val="accent1"/>
-                </a:solidFill>
-              </a14:hiddenFill>
-            </a:ext>
-            <a:ext uri="{91240B29-F687-4F45-9708-019B960494DF}">
-              <a14:hiddenLine xmlns:a14="http://schemas.microsoft.com/office/drawing/2010/main" w="9525">
-                <a:solidFill>
-                  <a:schemeClr val="tx1"/>
-                </a:solidFill>
-                <a:miter lim="800000"/>
-                <a:headEnd/>
-                <a:tailEnd/>
-              </a14:hiddenLine>
-            </a:ext>
-            <a:ext uri="{AF507438-7753-43E0-B8FC-AC1667EBCBE1}">
-              <a14:hiddenEffects xmlns:a14="http://schemas.microsoft.com/office/drawing/2010/main">
-                <a:effectLst>
-                  <a:outerShdw dist="35921" dir="2700000" algn="ctr" rotWithShape="0">
-                    <a:schemeClr val="bg2"/>
-                  </a:outerShdw>
-                </a:effectLst>
-              </a14:hiddenEffects>
-            </a:ext>
-          </a:extLst>
-        </p:spPr>
-      </p:pic>
-    </p:spTree>
-    <p:extLst>
-      <p:ext uri="{BB962C8B-B14F-4D97-AF65-F5344CB8AC3E}">
-        <p14:creationId xmlns:p14="http://schemas.microsoft.com/office/powerpoint/2010/main" val="413694686"/>
-      </p:ext>
-    </p:extLst>
-  </p:cSld>
-  <p:clrMapOvr>
-    <a:masterClrMapping/>
-  </p:clrMapOvr>
-</p:sld>
-</file>
-
-<file path=ppt/slides/slide9.xml><?xml version="1.0" encoding="utf-8"?>
-<p:sld xmlns:a="http://schemas.openxmlformats.org/drawingml/2006/main" xmlns:r="http://schemas.openxmlformats.org/officeDocument/2006/relationships" xmlns:p="http://schemas.openxmlformats.org/presentationml/2006/main">
-  <p:cSld>
-    <p:spTree>
-      <p:nvGrpSpPr>
-        <p:cNvPr id="1" name=""/>
-        <p:cNvGrpSpPr/>
-        <p:nvPr/>
-      </p:nvGrpSpPr>
-      <p:grpSpPr>
-        <a:xfrm>
-          <a:off x="0" y="0"/>
-          <a:ext cx="0" cy="0"/>
-          <a:chOff x="0" y="0"/>
-          <a:chExt cx="0" cy="0"/>
-        </a:xfrm>
-      </p:grpSpPr>
-      <p:sp>
-        <p:nvSpPr>
-          <p:cNvPr id="2" name="Title 1"/>
-          <p:cNvSpPr>
-            <a:spLocks noGrp="1"/>
-          </p:cNvSpPr>
-          <p:nvPr>
-            <p:ph type="title"/>
-          </p:nvPr>
-        </p:nvSpPr>
-        <p:spPr/>
-        <p:txBody>
-          <a:bodyPr/>
-          <a:lstStyle/>
-          <a:p>
-            <a:r>
-              <a:rPr lang="en-US" dirty="0" smtClean="0"/>
-              <a:t>Operator is</a:t>
-            </a:r>
-            <a:endParaRPr lang="en-GB" dirty="0"/>
-          </a:p>
-        </p:txBody>
-      </p:sp>
-      <p:pic>
-        <p:nvPicPr>
-          <p:cNvPr id="8194" name="Picture 2"/>
-          <p:cNvPicPr>
-            <a:picLocks noChangeAspect="1" noChangeArrowheads="1"/>
-          </p:cNvPicPr>
-          <p:nvPr/>
-        </p:nvPicPr>
-        <p:blipFill>
-          <a:blip r:embed="rId2">
-            <a:extLst>
-              <a:ext uri="{28A0092B-C50C-407E-A947-70E740481C1C}">
-                <a14:useLocalDpi xmlns:a14="http://schemas.microsoft.com/office/drawing/2010/main" val="0"/>
-              </a:ext>
-            </a:extLst>
-          </a:blip>
-          <a:srcRect/>
-          <a:stretch>
-            <a:fillRect/>
-          </a:stretch>
-        </p:blipFill>
-        <p:spPr bwMode="auto">
-          <a:xfrm>
-            <a:off x="827584" y="1556792"/>
-            <a:ext cx="5776913" cy="1066800"/>
-          </a:xfrm>
-          <a:prstGeom prst="rect">
-            <a:avLst/>
-          </a:prstGeom>
-          <a:noFill/>
-          <a:ln>
-            <a:noFill/>
-          </a:ln>
-          <a:effectLst/>
-          <a:extLst>
-            <a:ext uri="{909E8E84-426E-40DD-AFC4-6F175D3DCCD1}">
-              <a14:hiddenFill xmlns:a14="http://schemas.microsoft.com/office/drawing/2010/main">
-                <a:solidFill>
-                  <a:schemeClr val="accent1"/>
-                </a:solidFill>
-              </a14:hiddenFill>
-            </a:ext>
-            <a:ext uri="{91240B29-F687-4F45-9708-019B960494DF}">
-              <a14:hiddenLine xmlns:a14="http://schemas.microsoft.com/office/drawing/2010/main" w="9525">
-                <a:solidFill>
-                  <a:schemeClr val="tx1"/>
-                </a:solidFill>
-                <a:miter lim="800000"/>
-                <a:headEnd/>
-                <a:tailEnd/>
-              </a14:hiddenLine>
-            </a:ext>
-            <a:ext uri="{AF507438-7753-43E0-B8FC-AC1667EBCBE1}">
-              <a14:hiddenEffects xmlns:a14="http://schemas.microsoft.com/office/drawing/2010/main">
-                <a:effectLst>
-                  <a:outerShdw dist="35921" dir="2700000" algn="ctr" rotWithShape="0">
-                    <a:schemeClr val="bg2"/>
-                  </a:outerShdw>
-                </a:effectLst>
-              </a14:hiddenEffects>
-            </a:ext>
-          </a:extLst>
-        </p:spPr>
-      </p:pic>
-      <p:pic>
-        <p:nvPicPr>
-          <p:cNvPr id="8195" name="Picture 3"/>
-          <p:cNvPicPr>
-            <a:picLocks noChangeAspect="1" noChangeArrowheads="1"/>
-          </p:cNvPicPr>
-          <p:nvPr/>
-        </p:nvPicPr>
-        <p:blipFill>
-          <a:blip r:embed="rId3">
-            <a:extLst>
-              <a:ext uri="{28A0092B-C50C-407E-A947-70E740481C1C}">
-                <a14:useLocalDpi xmlns:a14="http://schemas.microsoft.com/office/drawing/2010/main" val="0"/>
-              </a:ext>
-            </a:extLst>
-          </a:blip>
-          <a:srcRect/>
-          <a:stretch>
-            <a:fillRect/>
-          </a:stretch>
-        </p:blipFill>
-        <p:spPr bwMode="auto">
-          <a:xfrm>
-            <a:off x="1557338" y="2979738"/>
-            <a:ext cx="6027737" cy="898525"/>
-          </a:xfrm>
-          <a:prstGeom prst="rect">
-            <a:avLst/>
-          </a:prstGeom>
-          <a:noFill/>
-          <a:ln>
-            <a:noFill/>
-          </a:ln>
-          <a:effectLst/>
-          <a:extLst>
-            <a:ext uri="{909E8E84-426E-40DD-AFC4-6F175D3DCCD1}">
-              <a14:hiddenFill xmlns:a14="http://schemas.microsoft.com/office/drawing/2010/main">
-                <a:solidFill>
-                  <a:schemeClr val="accent1"/>
-                </a:solidFill>
-              </a14:hiddenFill>
-            </a:ext>
-            <a:ext uri="{91240B29-F687-4F45-9708-019B960494DF}">
-              <a14:hiddenLine xmlns:a14="http://schemas.microsoft.com/office/drawing/2010/main" w="9525">
-                <a:solidFill>
-                  <a:schemeClr val="tx1"/>
-                </a:solidFill>
-                <a:miter lim="800000"/>
-                <a:headEnd/>
-                <a:tailEnd/>
-              </a14:hiddenLine>
-            </a:ext>
-            <a:ext uri="{AF507438-7753-43E0-B8FC-AC1667EBCBE1}">
-              <a14:hiddenEffects xmlns:a14="http://schemas.microsoft.com/office/drawing/2010/main">
-                <a:effectLst>
-                  <a:outerShdw dist="35921" dir="2700000" algn="ctr" rotWithShape="0">
-                    <a:schemeClr val="bg2"/>
-                  </a:outerShdw>
-                </a:effectLst>
-              </a14:hiddenEffects>
-            </a:ext>
-          </a:extLst>
-        </p:spPr>
-      </p:pic>
-    </p:spTree>
-    <p:extLst>
-      <p:ext uri="{BB962C8B-B14F-4D97-AF65-F5344CB8AC3E}">
-        <p14:creationId xmlns:p14="http://schemas.microsoft.com/office/powerpoint/2010/main" val="2802239736"/>
       </p:ext>
     </p:extLst>
   </p:cSld>
